--- a/leandal_IA.pptx
+++ b/leandal_IA.pptx
@@ -4,11 +4,20 @@
   <p:sldMasterIdLst>
     <p:sldMasterId id="2147483804" r:id="rId1"/>
   </p:sldMasterIdLst>
+  <p:notesMasterIdLst>
+    <p:notesMasterId r:id="rId12"/>
+  </p:notesMasterIdLst>
   <p:sldIdLst>
     <p:sldId id="260" r:id="rId2"/>
-    <p:sldId id="256" r:id="rId3"/>
-    <p:sldId id="259" r:id="rId4"/>
-    <p:sldId id="257" r:id="rId5"/>
+    <p:sldId id="261" r:id="rId3"/>
+    <p:sldId id="256" r:id="rId4"/>
+    <p:sldId id="259" r:id="rId5"/>
+    <p:sldId id="257" r:id="rId6"/>
+    <p:sldId id="264" r:id="rId7"/>
+    <p:sldId id="262" r:id="rId8"/>
+    <p:sldId id="263" r:id="rId9"/>
+    <p:sldId id="265" r:id="rId10"/>
+    <p:sldId id="266" r:id="rId11"/>
   </p:sldIdLst>
   <p:sldSz cx="12192000" cy="6858000"/>
   <p:notesSz cx="6858000" cy="9144000"/>
@@ -109,10 +118,719 @@
   </p:defaultTextStyle>
   <p:extLst>
     <p:ext uri="{EFAFB233-063F-42B5-8137-9DF3F51BA10A}">
-      <p15:sldGuideLst xmlns:p15="http://schemas.microsoft.com/office/powerpoint/2012/main"/>
+      <p15:sldGuideLst xmlns:p15="http://schemas.microsoft.com/office/powerpoint/2012/main">
+        <p15:guide id="1" orient="horz" pos="2160">
+          <p15:clr>
+            <a:srgbClr val="A4A3A4"/>
+          </p15:clr>
+        </p15:guide>
+        <p15:guide id="2" pos="3840">
+          <p15:clr>
+            <a:srgbClr val="A4A3A4"/>
+          </p15:clr>
+        </p15:guide>
+      </p15:sldGuideLst>
     </p:ext>
   </p:extLst>
 </p:presentation>
+</file>
+
+<file path=ppt/commentAuthors.xml><?xml version="1.0" encoding="utf-8"?>
+<p:cmAuthorLst xmlns:a="http://schemas.openxmlformats.org/drawingml/2006/main" xmlns:r="http://schemas.openxmlformats.org/officeDocument/2006/relationships" xmlns:p="http://schemas.openxmlformats.org/presentationml/2006/main">
+  <p:cmAuthor id="1" name="LangTecnologia" initials="L" lastIdx="1" clrIdx="0">
+    <p:extLst>
+      <p:ext uri="{19B8F6BF-5375-455C-9EA6-DF929625EA0E}">
+        <p15:presenceInfo xmlns:p15="http://schemas.microsoft.com/office/powerpoint/2012/main" userId="LangTecnologia" providerId="None"/>
+      </p:ext>
+    </p:extLst>
+  </p:cmAuthor>
+</p:cmAuthorLst>
+</file>
+
+<file path=ppt/notesMasters/notesMaster1.xml><?xml version="1.0" encoding="utf-8"?>
+<p:notesMaster xmlns:a="http://schemas.openxmlformats.org/drawingml/2006/main" xmlns:r="http://schemas.openxmlformats.org/officeDocument/2006/relationships" xmlns:p="http://schemas.openxmlformats.org/presentationml/2006/main">
+  <p:cSld>
+    <p:bg>
+      <p:bgRef idx="1001">
+        <a:schemeClr val="bg1"/>
+      </p:bgRef>
+    </p:bg>
+    <p:spTree>
+      <p:nvGrpSpPr>
+        <p:cNvPr id="1" name=""/>
+        <p:cNvGrpSpPr/>
+        <p:nvPr/>
+      </p:nvGrpSpPr>
+      <p:grpSpPr>
+        <a:xfrm>
+          <a:off x="0" y="0"/>
+          <a:ext cx="0" cy="0"/>
+          <a:chOff x="0" y="0"/>
+          <a:chExt cx="0" cy="0"/>
+        </a:xfrm>
+      </p:grpSpPr>
+      <p:sp>
+        <p:nvSpPr>
+          <p:cNvPr id="2" name="1 Marcador de encabezado"/>
+          <p:cNvSpPr>
+            <a:spLocks noGrp="1"/>
+          </p:cNvSpPr>
+          <p:nvPr>
+            <p:ph type="hdr" sz="quarter"/>
+          </p:nvPr>
+        </p:nvSpPr>
+        <p:spPr>
+          <a:xfrm>
+            <a:off x="0" y="0"/>
+            <a:ext cx="2971800" cy="457200"/>
+          </a:xfrm>
+          <a:prstGeom prst="rect">
+            <a:avLst/>
+          </a:prstGeom>
+        </p:spPr>
+        <p:txBody>
+          <a:bodyPr vert="horz" lIns="91440" tIns="45720" rIns="91440" bIns="45720" rtlCol="0"/>
+          <a:lstStyle>
+            <a:lvl1pPr algn="l">
+              <a:defRPr sz="1200"/>
+            </a:lvl1pPr>
+          </a:lstStyle>
+          <a:p>
+            <a:endParaRPr lang="es-AR"/>
+          </a:p>
+        </p:txBody>
+      </p:sp>
+      <p:sp>
+        <p:nvSpPr>
+          <p:cNvPr id="3" name="2 Marcador de fecha"/>
+          <p:cNvSpPr>
+            <a:spLocks noGrp="1"/>
+          </p:cNvSpPr>
+          <p:nvPr>
+            <p:ph type="dt" idx="1"/>
+          </p:nvPr>
+        </p:nvSpPr>
+        <p:spPr>
+          <a:xfrm>
+            <a:off x="3884613" y="0"/>
+            <a:ext cx="2971800" cy="457200"/>
+          </a:xfrm>
+          <a:prstGeom prst="rect">
+            <a:avLst/>
+          </a:prstGeom>
+        </p:spPr>
+        <p:txBody>
+          <a:bodyPr vert="horz" lIns="91440" tIns="45720" rIns="91440" bIns="45720" rtlCol="0"/>
+          <a:lstStyle>
+            <a:lvl1pPr algn="r">
+              <a:defRPr sz="1200"/>
+            </a:lvl1pPr>
+          </a:lstStyle>
+          <a:p>
+            <a:fld id="{B31AFC92-822A-4E09-B55A-3E5FE7EACDA1}" type="datetimeFigureOut">
+              <a:rPr lang="es-AR" smtClean="0"/>
+              <a:t>14/7/2025</a:t>
+            </a:fld>
+            <a:endParaRPr lang="es-AR"/>
+          </a:p>
+        </p:txBody>
+      </p:sp>
+      <p:sp>
+        <p:nvSpPr>
+          <p:cNvPr id="4" name="3 Marcador de imagen de diapositiva"/>
+          <p:cNvSpPr>
+            <a:spLocks noGrp="1" noRot="1" noChangeAspect="1"/>
+          </p:cNvSpPr>
+          <p:nvPr>
+            <p:ph type="sldImg" idx="2"/>
+          </p:nvPr>
+        </p:nvSpPr>
+        <p:spPr>
+          <a:xfrm>
+            <a:off x="381000" y="685800"/>
+            <a:ext cx="6096000" cy="3429000"/>
+          </a:xfrm>
+          <a:prstGeom prst="rect">
+            <a:avLst/>
+          </a:prstGeom>
+          <a:noFill/>
+          <a:ln w="12700">
+            <a:solidFill>
+              <a:prstClr val="black"/>
+            </a:solidFill>
+          </a:ln>
+        </p:spPr>
+        <p:txBody>
+          <a:bodyPr vert="horz" lIns="91440" tIns="45720" rIns="91440" bIns="45720" rtlCol="0" anchor="ctr"/>
+          <a:lstStyle/>
+          <a:p>
+            <a:endParaRPr lang="es-AR"/>
+          </a:p>
+        </p:txBody>
+      </p:sp>
+      <p:sp>
+        <p:nvSpPr>
+          <p:cNvPr id="5" name="4 Marcador de notas"/>
+          <p:cNvSpPr>
+            <a:spLocks noGrp="1"/>
+          </p:cNvSpPr>
+          <p:nvPr>
+            <p:ph type="body" sz="quarter" idx="3"/>
+          </p:nvPr>
+        </p:nvSpPr>
+        <p:spPr>
+          <a:xfrm>
+            <a:off x="685800" y="4343400"/>
+            <a:ext cx="5486400" cy="4114800"/>
+          </a:xfrm>
+          <a:prstGeom prst="rect">
+            <a:avLst/>
+          </a:prstGeom>
+        </p:spPr>
+        <p:txBody>
+          <a:bodyPr vert="horz" lIns="91440" tIns="45720" rIns="91440" bIns="45720" rtlCol="0"/>
+          <a:lstStyle/>
+          <a:p>
+            <a:pPr lvl="0"/>
+            <a:r>
+              <a:rPr lang="es-ES" smtClean="0"/>
+              <a:t>Haga clic para modificar el estilo de texto del patrón</a:t>
+            </a:r>
+          </a:p>
+          <a:p>
+            <a:pPr lvl="1"/>
+            <a:r>
+              <a:rPr lang="es-ES" smtClean="0"/>
+              <a:t>Segundo nivel</a:t>
+            </a:r>
+          </a:p>
+          <a:p>
+            <a:pPr lvl="2"/>
+            <a:r>
+              <a:rPr lang="es-ES" smtClean="0"/>
+              <a:t>Tercer nivel</a:t>
+            </a:r>
+          </a:p>
+          <a:p>
+            <a:pPr lvl="3"/>
+            <a:r>
+              <a:rPr lang="es-ES" smtClean="0"/>
+              <a:t>Cuarto nivel</a:t>
+            </a:r>
+          </a:p>
+          <a:p>
+            <a:pPr lvl="4"/>
+            <a:r>
+              <a:rPr lang="es-ES" smtClean="0"/>
+              <a:t>Quinto nivel</a:t>
+            </a:r>
+            <a:endParaRPr lang="es-AR"/>
+          </a:p>
+        </p:txBody>
+      </p:sp>
+      <p:sp>
+        <p:nvSpPr>
+          <p:cNvPr id="6" name="5 Marcador de pie de página"/>
+          <p:cNvSpPr>
+            <a:spLocks noGrp="1"/>
+          </p:cNvSpPr>
+          <p:nvPr>
+            <p:ph type="ftr" sz="quarter" idx="4"/>
+          </p:nvPr>
+        </p:nvSpPr>
+        <p:spPr>
+          <a:xfrm>
+            <a:off x="0" y="8685213"/>
+            <a:ext cx="2971800" cy="457200"/>
+          </a:xfrm>
+          <a:prstGeom prst="rect">
+            <a:avLst/>
+          </a:prstGeom>
+        </p:spPr>
+        <p:txBody>
+          <a:bodyPr vert="horz" lIns="91440" tIns="45720" rIns="91440" bIns="45720" rtlCol="0" anchor="b"/>
+          <a:lstStyle>
+            <a:lvl1pPr algn="l">
+              <a:defRPr sz="1200"/>
+            </a:lvl1pPr>
+          </a:lstStyle>
+          <a:p>
+            <a:endParaRPr lang="es-AR"/>
+          </a:p>
+        </p:txBody>
+      </p:sp>
+      <p:sp>
+        <p:nvSpPr>
+          <p:cNvPr id="7" name="6 Marcador de número de diapositiva"/>
+          <p:cNvSpPr>
+            <a:spLocks noGrp="1"/>
+          </p:cNvSpPr>
+          <p:nvPr>
+            <p:ph type="sldNum" sz="quarter" idx="5"/>
+          </p:nvPr>
+        </p:nvSpPr>
+        <p:spPr>
+          <a:xfrm>
+            <a:off x="3884613" y="8685213"/>
+            <a:ext cx="2971800" cy="457200"/>
+          </a:xfrm>
+          <a:prstGeom prst="rect">
+            <a:avLst/>
+          </a:prstGeom>
+        </p:spPr>
+        <p:txBody>
+          <a:bodyPr vert="horz" lIns="91440" tIns="45720" rIns="91440" bIns="45720" rtlCol="0" anchor="b"/>
+          <a:lstStyle>
+            <a:lvl1pPr algn="r">
+              <a:defRPr sz="1200"/>
+            </a:lvl1pPr>
+          </a:lstStyle>
+          <a:p>
+            <a:fld id="{7EEDEBA0-60E2-460D-A1AA-5267A262378C}" type="slidenum">
+              <a:rPr lang="es-AR" smtClean="0"/>
+              <a:t>‹Nº›</a:t>
+            </a:fld>
+            <a:endParaRPr lang="es-AR"/>
+          </a:p>
+        </p:txBody>
+      </p:sp>
+    </p:spTree>
+    <p:extLst>
+      <p:ext uri="{BB962C8B-B14F-4D97-AF65-F5344CB8AC3E}">
+        <p14:creationId xmlns:p14="http://schemas.microsoft.com/office/powerpoint/2010/main" val="671056387"/>
+      </p:ext>
+    </p:extLst>
+  </p:cSld>
+  <p:clrMap bg1="lt1" tx1="dk1" bg2="lt2" tx2="dk2" accent1="accent1" accent2="accent2" accent3="accent3" accent4="accent4" accent5="accent5" accent6="accent6" hlink="hlink" folHlink="folHlink"/>
+  <p:notesStyle>
+    <a:lvl1pPr marL="0" algn="l" defTabSz="914400" rtl="0" eaLnBrk="1" latinLnBrk="0" hangingPunct="1">
+      <a:defRPr sz="1200" kern="1200">
+        <a:solidFill>
+          <a:schemeClr val="tx1"/>
+        </a:solidFill>
+        <a:latin typeface="+mn-lt"/>
+        <a:ea typeface="+mn-ea"/>
+        <a:cs typeface="+mn-cs"/>
+      </a:defRPr>
+    </a:lvl1pPr>
+    <a:lvl2pPr marL="457200" algn="l" defTabSz="914400" rtl="0" eaLnBrk="1" latinLnBrk="0" hangingPunct="1">
+      <a:defRPr sz="1200" kern="1200">
+        <a:solidFill>
+          <a:schemeClr val="tx1"/>
+        </a:solidFill>
+        <a:latin typeface="+mn-lt"/>
+        <a:ea typeface="+mn-ea"/>
+        <a:cs typeface="+mn-cs"/>
+      </a:defRPr>
+    </a:lvl2pPr>
+    <a:lvl3pPr marL="914400" algn="l" defTabSz="914400" rtl="0" eaLnBrk="1" latinLnBrk="0" hangingPunct="1">
+      <a:defRPr sz="1200" kern="1200">
+        <a:solidFill>
+          <a:schemeClr val="tx1"/>
+        </a:solidFill>
+        <a:latin typeface="+mn-lt"/>
+        <a:ea typeface="+mn-ea"/>
+        <a:cs typeface="+mn-cs"/>
+      </a:defRPr>
+    </a:lvl3pPr>
+    <a:lvl4pPr marL="1371600" algn="l" defTabSz="914400" rtl="0" eaLnBrk="1" latinLnBrk="0" hangingPunct="1">
+      <a:defRPr sz="1200" kern="1200">
+        <a:solidFill>
+          <a:schemeClr val="tx1"/>
+        </a:solidFill>
+        <a:latin typeface="+mn-lt"/>
+        <a:ea typeface="+mn-ea"/>
+        <a:cs typeface="+mn-cs"/>
+      </a:defRPr>
+    </a:lvl4pPr>
+    <a:lvl5pPr marL="1828800" algn="l" defTabSz="914400" rtl="0" eaLnBrk="1" latinLnBrk="0" hangingPunct="1">
+      <a:defRPr sz="1200" kern="1200">
+        <a:solidFill>
+          <a:schemeClr val="tx1"/>
+        </a:solidFill>
+        <a:latin typeface="+mn-lt"/>
+        <a:ea typeface="+mn-ea"/>
+        <a:cs typeface="+mn-cs"/>
+      </a:defRPr>
+    </a:lvl5pPr>
+    <a:lvl6pPr marL="2286000" algn="l" defTabSz="914400" rtl="0" eaLnBrk="1" latinLnBrk="0" hangingPunct="1">
+      <a:defRPr sz="1200" kern="1200">
+        <a:solidFill>
+          <a:schemeClr val="tx1"/>
+        </a:solidFill>
+        <a:latin typeface="+mn-lt"/>
+        <a:ea typeface="+mn-ea"/>
+        <a:cs typeface="+mn-cs"/>
+      </a:defRPr>
+    </a:lvl6pPr>
+    <a:lvl7pPr marL="2743200" algn="l" defTabSz="914400" rtl="0" eaLnBrk="1" latinLnBrk="0" hangingPunct="1">
+      <a:defRPr sz="1200" kern="1200">
+        <a:solidFill>
+          <a:schemeClr val="tx1"/>
+        </a:solidFill>
+        <a:latin typeface="+mn-lt"/>
+        <a:ea typeface="+mn-ea"/>
+        <a:cs typeface="+mn-cs"/>
+      </a:defRPr>
+    </a:lvl7pPr>
+    <a:lvl8pPr marL="3200400" algn="l" defTabSz="914400" rtl="0" eaLnBrk="1" latinLnBrk="0" hangingPunct="1">
+      <a:defRPr sz="1200" kern="1200">
+        <a:solidFill>
+          <a:schemeClr val="tx1"/>
+        </a:solidFill>
+        <a:latin typeface="+mn-lt"/>
+        <a:ea typeface="+mn-ea"/>
+        <a:cs typeface="+mn-cs"/>
+      </a:defRPr>
+    </a:lvl8pPr>
+    <a:lvl9pPr marL="3657600" algn="l" defTabSz="914400" rtl="0" eaLnBrk="1" latinLnBrk="0" hangingPunct="1">
+      <a:defRPr sz="1200" kern="1200">
+        <a:solidFill>
+          <a:schemeClr val="tx1"/>
+        </a:solidFill>
+        <a:latin typeface="+mn-lt"/>
+        <a:ea typeface="+mn-ea"/>
+        <a:cs typeface="+mn-cs"/>
+      </a:defRPr>
+    </a:lvl9pPr>
+  </p:notesStyle>
+</p:notesMaster>
+</file>
+
+<file path=ppt/notesSlides/notesSlide1.xml><?xml version="1.0" encoding="utf-8"?>
+<p:notes xmlns:a="http://schemas.openxmlformats.org/drawingml/2006/main" xmlns:r="http://schemas.openxmlformats.org/officeDocument/2006/relationships" xmlns:p="http://schemas.openxmlformats.org/presentationml/2006/main">
+  <p:cSld>
+    <p:spTree>
+      <p:nvGrpSpPr>
+        <p:cNvPr id="1" name=""/>
+        <p:cNvGrpSpPr/>
+        <p:nvPr/>
+      </p:nvGrpSpPr>
+      <p:grpSpPr>
+        <a:xfrm>
+          <a:off x="0" y="0"/>
+          <a:ext cx="0" cy="0"/>
+          <a:chOff x="0" y="0"/>
+          <a:chExt cx="0" cy="0"/>
+        </a:xfrm>
+      </p:grpSpPr>
+      <p:sp>
+        <p:nvSpPr>
+          <p:cNvPr id="2" name="Marcador de imagen de diapositiva 1"/>
+          <p:cNvSpPr>
+            <a:spLocks noGrp="1" noRot="1" noChangeAspect="1"/>
+          </p:cNvSpPr>
+          <p:nvPr>
+            <p:ph type="sldImg"/>
+          </p:nvPr>
+        </p:nvSpPr>
+        <p:spPr/>
+      </p:sp>
+      <p:sp>
+        <p:nvSpPr>
+          <p:cNvPr id="3" name="Marcador de notas 2"/>
+          <p:cNvSpPr>
+            <a:spLocks noGrp="1"/>
+          </p:cNvSpPr>
+          <p:nvPr>
+            <p:ph type="body" idx="1"/>
+          </p:nvPr>
+        </p:nvSpPr>
+        <p:spPr/>
+        <p:txBody>
+          <a:bodyPr/>
+          <a:lstStyle/>
+          <a:p>
+            <a:endParaRPr lang="es-AR"/>
+          </a:p>
+        </p:txBody>
+      </p:sp>
+      <p:sp>
+        <p:nvSpPr>
+          <p:cNvPr id="4" name="Marcador de número de diapositiva 3"/>
+          <p:cNvSpPr>
+            <a:spLocks noGrp="1"/>
+          </p:cNvSpPr>
+          <p:nvPr>
+            <p:ph type="sldNum" sz="quarter" idx="10"/>
+          </p:nvPr>
+        </p:nvSpPr>
+        <p:spPr/>
+        <p:txBody>
+          <a:bodyPr/>
+          <a:lstStyle/>
+          <a:p>
+            <a:fld id="{7EEDEBA0-60E2-460D-A1AA-5267A262378C}" type="slidenum">
+              <a:rPr lang="es-AR" smtClean="0"/>
+              <a:t>6</a:t>
+            </a:fld>
+            <a:endParaRPr lang="es-AR"/>
+          </a:p>
+        </p:txBody>
+      </p:sp>
+    </p:spTree>
+    <p:extLst>
+      <p:ext uri="{BB962C8B-B14F-4D97-AF65-F5344CB8AC3E}">
+        <p14:creationId xmlns:p14="http://schemas.microsoft.com/office/powerpoint/2010/main" val="3614214301"/>
+      </p:ext>
+    </p:extLst>
+  </p:cSld>
+  <p:clrMapOvr>
+    <a:masterClrMapping/>
+  </p:clrMapOvr>
+</p:notes>
+</file>
+
+<file path=ppt/notesSlides/notesSlide2.xml><?xml version="1.0" encoding="utf-8"?>
+<p:notes xmlns:a="http://schemas.openxmlformats.org/drawingml/2006/main" xmlns:r="http://schemas.openxmlformats.org/officeDocument/2006/relationships" xmlns:p="http://schemas.openxmlformats.org/presentationml/2006/main">
+  <p:cSld>
+    <p:spTree>
+      <p:nvGrpSpPr>
+        <p:cNvPr id="1" name=""/>
+        <p:cNvGrpSpPr/>
+        <p:nvPr/>
+      </p:nvGrpSpPr>
+      <p:grpSpPr>
+        <a:xfrm>
+          <a:off x="0" y="0"/>
+          <a:ext cx="0" cy="0"/>
+          <a:chOff x="0" y="0"/>
+          <a:chExt cx="0" cy="0"/>
+        </a:xfrm>
+      </p:grpSpPr>
+      <p:sp>
+        <p:nvSpPr>
+          <p:cNvPr id="2" name="Marcador de imagen de diapositiva 1"/>
+          <p:cNvSpPr>
+            <a:spLocks noGrp="1" noRot="1" noChangeAspect="1"/>
+          </p:cNvSpPr>
+          <p:nvPr>
+            <p:ph type="sldImg"/>
+          </p:nvPr>
+        </p:nvSpPr>
+        <p:spPr/>
+      </p:sp>
+      <p:sp>
+        <p:nvSpPr>
+          <p:cNvPr id="3" name="Marcador de notas 2"/>
+          <p:cNvSpPr>
+            <a:spLocks noGrp="1"/>
+          </p:cNvSpPr>
+          <p:nvPr>
+            <p:ph type="body" idx="1"/>
+          </p:nvPr>
+        </p:nvSpPr>
+        <p:spPr/>
+        <p:txBody>
+          <a:bodyPr/>
+          <a:lstStyle/>
+          <a:p>
+            <a:endParaRPr lang="es-AR"/>
+          </a:p>
+        </p:txBody>
+      </p:sp>
+      <p:sp>
+        <p:nvSpPr>
+          <p:cNvPr id="4" name="Marcador de número de diapositiva 3"/>
+          <p:cNvSpPr>
+            <a:spLocks noGrp="1"/>
+          </p:cNvSpPr>
+          <p:nvPr>
+            <p:ph type="sldNum" sz="quarter" idx="10"/>
+          </p:nvPr>
+        </p:nvSpPr>
+        <p:spPr/>
+        <p:txBody>
+          <a:bodyPr/>
+          <a:lstStyle/>
+          <a:p>
+            <a:fld id="{7EEDEBA0-60E2-460D-A1AA-5267A262378C}" type="slidenum">
+              <a:rPr lang="es-AR" smtClean="0"/>
+              <a:t>8</a:t>
+            </a:fld>
+            <a:endParaRPr lang="es-AR"/>
+          </a:p>
+        </p:txBody>
+      </p:sp>
+    </p:spTree>
+    <p:extLst>
+      <p:ext uri="{BB962C8B-B14F-4D97-AF65-F5344CB8AC3E}">
+        <p14:creationId xmlns:p14="http://schemas.microsoft.com/office/powerpoint/2010/main" val="4188650437"/>
+      </p:ext>
+    </p:extLst>
+  </p:cSld>
+  <p:clrMapOvr>
+    <a:masterClrMapping/>
+  </p:clrMapOvr>
+</p:notes>
+</file>
+
+<file path=ppt/notesSlides/notesSlide3.xml><?xml version="1.0" encoding="utf-8"?>
+<p:notes xmlns:a="http://schemas.openxmlformats.org/drawingml/2006/main" xmlns:r="http://schemas.openxmlformats.org/officeDocument/2006/relationships" xmlns:p="http://schemas.openxmlformats.org/presentationml/2006/main">
+  <p:cSld>
+    <p:spTree>
+      <p:nvGrpSpPr>
+        <p:cNvPr id="1" name=""/>
+        <p:cNvGrpSpPr/>
+        <p:nvPr/>
+      </p:nvGrpSpPr>
+      <p:grpSpPr>
+        <a:xfrm>
+          <a:off x="0" y="0"/>
+          <a:ext cx="0" cy="0"/>
+          <a:chOff x="0" y="0"/>
+          <a:chExt cx="0" cy="0"/>
+        </a:xfrm>
+      </p:grpSpPr>
+      <p:sp>
+        <p:nvSpPr>
+          <p:cNvPr id="2" name="Marcador de imagen de diapositiva 1"/>
+          <p:cNvSpPr>
+            <a:spLocks noGrp="1" noRot="1" noChangeAspect="1"/>
+          </p:cNvSpPr>
+          <p:nvPr>
+            <p:ph type="sldImg"/>
+          </p:nvPr>
+        </p:nvSpPr>
+        <p:spPr/>
+      </p:sp>
+      <p:sp>
+        <p:nvSpPr>
+          <p:cNvPr id="3" name="Marcador de notas 2"/>
+          <p:cNvSpPr>
+            <a:spLocks noGrp="1"/>
+          </p:cNvSpPr>
+          <p:nvPr>
+            <p:ph type="body" idx="1"/>
+          </p:nvPr>
+        </p:nvSpPr>
+        <p:spPr/>
+        <p:txBody>
+          <a:bodyPr/>
+          <a:lstStyle/>
+          <a:p>
+            <a:endParaRPr lang="es-AR"/>
+          </a:p>
+        </p:txBody>
+      </p:sp>
+      <p:sp>
+        <p:nvSpPr>
+          <p:cNvPr id="4" name="Marcador de número de diapositiva 3"/>
+          <p:cNvSpPr>
+            <a:spLocks noGrp="1"/>
+          </p:cNvSpPr>
+          <p:nvPr>
+            <p:ph type="sldNum" sz="quarter" idx="10"/>
+          </p:nvPr>
+        </p:nvSpPr>
+        <p:spPr/>
+        <p:txBody>
+          <a:bodyPr/>
+          <a:lstStyle/>
+          <a:p>
+            <a:fld id="{7EEDEBA0-60E2-460D-A1AA-5267A262378C}" type="slidenum">
+              <a:rPr lang="es-AR" smtClean="0"/>
+              <a:t>9</a:t>
+            </a:fld>
+            <a:endParaRPr lang="es-AR"/>
+          </a:p>
+        </p:txBody>
+      </p:sp>
+    </p:spTree>
+    <p:extLst>
+      <p:ext uri="{BB962C8B-B14F-4D97-AF65-F5344CB8AC3E}">
+        <p14:creationId xmlns:p14="http://schemas.microsoft.com/office/powerpoint/2010/main" val="3317151337"/>
+      </p:ext>
+    </p:extLst>
+  </p:cSld>
+  <p:clrMapOvr>
+    <a:masterClrMapping/>
+  </p:clrMapOvr>
+</p:notes>
+</file>
+
+<file path=ppt/notesSlides/notesSlide4.xml><?xml version="1.0" encoding="utf-8"?>
+<p:notes xmlns:a="http://schemas.openxmlformats.org/drawingml/2006/main" xmlns:r="http://schemas.openxmlformats.org/officeDocument/2006/relationships" xmlns:p="http://schemas.openxmlformats.org/presentationml/2006/main">
+  <p:cSld>
+    <p:spTree>
+      <p:nvGrpSpPr>
+        <p:cNvPr id="1" name=""/>
+        <p:cNvGrpSpPr/>
+        <p:nvPr/>
+      </p:nvGrpSpPr>
+      <p:grpSpPr>
+        <a:xfrm>
+          <a:off x="0" y="0"/>
+          <a:ext cx="0" cy="0"/>
+          <a:chOff x="0" y="0"/>
+          <a:chExt cx="0" cy="0"/>
+        </a:xfrm>
+      </p:grpSpPr>
+      <p:sp>
+        <p:nvSpPr>
+          <p:cNvPr id="2" name="Marcador de imagen de diapositiva 1"/>
+          <p:cNvSpPr>
+            <a:spLocks noGrp="1" noRot="1" noChangeAspect="1"/>
+          </p:cNvSpPr>
+          <p:nvPr>
+            <p:ph type="sldImg"/>
+          </p:nvPr>
+        </p:nvSpPr>
+        <p:spPr/>
+      </p:sp>
+      <p:sp>
+        <p:nvSpPr>
+          <p:cNvPr id="3" name="Marcador de notas 2"/>
+          <p:cNvSpPr>
+            <a:spLocks noGrp="1"/>
+          </p:cNvSpPr>
+          <p:nvPr>
+            <p:ph type="body" idx="1"/>
+          </p:nvPr>
+        </p:nvSpPr>
+        <p:spPr/>
+        <p:txBody>
+          <a:bodyPr/>
+          <a:lstStyle/>
+          <a:p>
+            <a:endParaRPr lang="es-AR"/>
+          </a:p>
+        </p:txBody>
+      </p:sp>
+      <p:sp>
+        <p:nvSpPr>
+          <p:cNvPr id="4" name="Marcador de número de diapositiva 3"/>
+          <p:cNvSpPr>
+            <a:spLocks noGrp="1"/>
+          </p:cNvSpPr>
+          <p:nvPr>
+            <p:ph type="sldNum" sz="quarter" idx="10"/>
+          </p:nvPr>
+        </p:nvSpPr>
+        <p:spPr/>
+        <p:txBody>
+          <a:bodyPr/>
+          <a:lstStyle/>
+          <a:p>
+            <a:fld id="{7EEDEBA0-60E2-460D-A1AA-5267A262378C}" type="slidenum">
+              <a:rPr lang="es-AR" smtClean="0"/>
+              <a:t>10</a:t>
+            </a:fld>
+            <a:endParaRPr lang="es-AR"/>
+          </a:p>
+        </p:txBody>
+      </p:sp>
+    </p:spTree>
+    <p:extLst>
+      <p:ext uri="{BB962C8B-B14F-4D97-AF65-F5344CB8AC3E}">
+        <p14:creationId xmlns:p14="http://schemas.microsoft.com/office/powerpoint/2010/main" val="2107344919"/>
+      </p:ext>
+    </p:extLst>
+  </p:cSld>
+  <p:clrMapOvr>
+    <a:masterClrMapping/>
+  </p:clrMapOvr>
+</p:notes>
 </file>
 
 <file path=ppt/slideLayouts/slideLayout1.xml><?xml version="1.0" encoding="utf-8"?>
@@ -301,7 +1019,7 @@
           <a:p>
             <a:fld id="{58991995-0D6B-43E3-B6CE-FD6F88EB15F4}" type="datetimeFigureOut">
               <a:rPr lang="es-AR" smtClean="0"/>
-              <a:t>5/7/2025</a:t>
+              <a:t>14/7/2025</a:t>
             </a:fld>
             <a:endParaRPr lang="es-AR"/>
           </a:p>
@@ -359,6 +1077,9 @@
   <p:clrMapOvr>
     <a:masterClrMapping/>
   </p:clrMapOvr>
+  <p:transition spd="slow">
+    <p:wheel spokes="1"/>
+  </p:transition>
 </p:sldLayout>
 </file>
 
@@ -576,7 +1297,7 @@
           <a:p>
             <a:fld id="{58991995-0D6B-43E3-B6CE-FD6F88EB15F4}" type="datetimeFigureOut">
               <a:rPr lang="es-AR" smtClean="0"/>
-              <a:t>5/7/2025</a:t>
+              <a:t>14/7/2025</a:t>
             </a:fld>
             <a:endParaRPr lang="es-AR"/>
           </a:p>
@@ -634,6 +1355,9 @@
   <p:clrMapOvr>
     <a:masterClrMapping/>
   </p:clrMapOvr>
+  <p:transition spd="slow">
+    <p:wheel spokes="1"/>
+  </p:transition>
 </p:sldLayout>
 </file>
 
@@ -770,7 +1494,7 @@
           <a:p>
             <a:fld id="{58991995-0D6B-43E3-B6CE-FD6F88EB15F4}" type="datetimeFigureOut">
               <a:rPr lang="es-AR" smtClean="0"/>
-              <a:t>5/7/2025</a:t>
+              <a:t>14/7/2025</a:t>
             </a:fld>
             <a:endParaRPr lang="es-AR"/>
           </a:p>
@@ -828,6 +1552,9 @@
   <p:clrMapOvr>
     <a:masterClrMapping/>
   </p:clrMapOvr>
+  <p:transition spd="slow">
+    <p:wheel spokes="1"/>
+  </p:transition>
 </p:sldLayout>
 </file>
 
@@ -1043,7 +1770,7 @@
           <a:p>
             <a:fld id="{58991995-0D6B-43E3-B6CE-FD6F88EB15F4}" type="datetimeFigureOut">
               <a:rPr lang="es-AR" smtClean="0"/>
-              <a:t>5/7/2025</a:t>
+              <a:t>14/7/2025</a:t>
             </a:fld>
             <a:endParaRPr lang="es-AR"/>
           </a:p>
@@ -1195,6 +1922,9 @@
   <p:clrMapOvr>
     <a:masterClrMapping/>
   </p:clrMapOvr>
+  <p:transition spd="slow">
+    <p:wheel spokes="1"/>
+  </p:transition>
 </p:sldLayout>
 </file>
 
@@ -1384,7 +2114,7 @@
           <a:p>
             <a:fld id="{58991995-0D6B-43E3-B6CE-FD6F88EB15F4}" type="datetimeFigureOut">
               <a:rPr lang="es-AR" smtClean="0"/>
-              <a:t>5/7/2025</a:t>
+              <a:t>14/7/2025</a:t>
             </a:fld>
             <a:endParaRPr lang="es-AR"/>
           </a:p>
@@ -1442,6 +2172,9 @@
   <p:clrMapOvr>
     <a:masterClrMapping/>
   </p:clrMapOvr>
+  <p:transition spd="slow">
+    <p:wheel spokes="1"/>
+  </p:transition>
 </p:sldLayout>
 </file>
 
@@ -2007,7 +2740,7 @@
           <a:p>
             <a:fld id="{58991995-0D6B-43E3-B6CE-FD6F88EB15F4}" type="datetimeFigureOut">
               <a:rPr lang="es-AR" smtClean="0"/>
-              <a:t>5/7/2025</a:t>
+              <a:t>14/7/2025</a:t>
             </a:fld>
             <a:endParaRPr lang="es-AR"/>
           </a:p>
@@ -2065,6 +2798,9 @@
   <p:clrMapOvr>
     <a:masterClrMapping/>
   </p:clrMapOvr>
+  <p:transition spd="slow">
+    <p:wheel spokes="1"/>
+  </p:transition>
 </p:sldLayout>
 </file>
 
@@ -2867,7 +3603,7 @@
           <a:p>
             <a:fld id="{58991995-0D6B-43E3-B6CE-FD6F88EB15F4}" type="datetimeFigureOut">
               <a:rPr lang="es-AR" smtClean="0"/>
-              <a:t>5/7/2025</a:t>
+              <a:t>14/7/2025</a:t>
             </a:fld>
             <a:endParaRPr lang="es-AR"/>
           </a:p>
@@ -2925,6 +3661,9 @@
   <p:clrMapOvr>
     <a:masterClrMapping/>
   </p:clrMapOvr>
+  <p:transition spd="slow">
+    <p:wheel spokes="1"/>
+  </p:transition>
 </p:sldLayout>
 </file>
 
@@ -3037,7 +3776,7 @@
           <a:p>
             <a:fld id="{58991995-0D6B-43E3-B6CE-FD6F88EB15F4}" type="datetimeFigureOut">
               <a:rPr lang="es-AR" smtClean="0"/>
-              <a:t>5/7/2025</a:t>
+              <a:t>14/7/2025</a:t>
             </a:fld>
             <a:endParaRPr lang="es-AR"/>
           </a:p>
@@ -3095,6 +3834,9 @@
   <p:clrMapOvr>
     <a:masterClrMapping/>
   </p:clrMapOvr>
+  <p:transition spd="slow">
+    <p:wheel spokes="1"/>
+  </p:transition>
 </p:sldLayout>
 </file>
 
@@ -3217,7 +3959,7 @@
           <a:p>
             <a:fld id="{58991995-0D6B-43E3-B6CE-FD6F88EB15F4}" type="datetimeFigureOut">
               <a:rPr lang="es-AR" smtClean="0"/>
-              <a:t>5/7/2025</a:t>
+              <a:t>14/7/2025</a:t>
             </a:fld>
             <a:endParaRPr lang="es-AR"/>
           </a:p>
@@ -3275,6 +4017,9 @@
   <p:clrMapOvr>
     <a:masterClrMapping/>
   </p:clrMapOvr>
+  <p:transition spd="slow">
+    <p:wheel spokes="1"/>
+  </p:transition>
 </p:sldLayout>
 </file>
 
@@ -3387,7 +4132,7 @@
           <a:p>
             <a:fld id="{58991995-0D6B-43E3-B6CE-FD6F88EB15F4}" type="datetimeFigureOut">
               <a:rPr lang="es-AR" smtClean="0"/>
-              <a:t>5/7/2025</a:t>
+              <a:t>14/7/2025</a:t>
             </a:fld>
             <a:endParaRPr lang="es-AR"/>
           </a:p>
@@ -3445,6 +4190,9 @@
   <p:clrMapOvr>
     <a:masterClrMapping/>
   </p:clrMapOvr>
+  <p:transition spd="slow">
+    <p:wheel spokes="1"/>
+  </p:transition>
 </p:sldLayout>
 </file>
 
@@ -3634,7 +4382,7 @@
           <a:p>
             <a:fld id="{58991995-0D6B-43E3-B6CE-FD6F88EB15F4}" type="datetimeFigureOut">
               <a:rPr lang="es-AR" smtClean="0"/>
-              <a:t>5/7/2025</a:t>
+              <a:t>14/7/2025</a:t>
             </a:fld>
             <a:endParaRPr lang="es-AR"/>
           </a:p>
@@ -3692,6 +4440,9 @@
   <p:clrMapOvr>
     <a:masterClrMapping/>
   </p:clrMapOvr>
+  <p:transition spd="slow">
+    <p:wheel spokes="1"/>
+  </p:transition>
 </p:sldLayout>
 </file>
 
@@ -3926,7 +4677,7 @@
           <a:p>
             <a:fld id="{58991995-0D6B-43E3-B6CE-FD6F88EB15F4}" type="datetimeFigureOut">
               <a:rPr lang="es-AR" smtClean="0"/>
-              <a:t>5/7/2025</a:t>
+              <a:t>14/7/2025</a:t>
             </a:fld>
             <a:endParaRPr lang="es-AR"/>
           </a:p>
@@ -3984,6 +4735,9 @@
   <p:clrMapOvr>
     <a:masterClrMapping/>
   </p:clrMapOvr>
+  <p:transition spd="slow">
+    <p:wheel spokes="1"/>
+  </p:transition>
 </p:sldLayout>
 </file>
 
@@ -4370,7 +5124,7 @@
           <a:p>
             <a:fld id="{58991995-0D6B-43E3-B6CE-FD6F88EB15F4}" type="datetimeFigureOut">
               <a:rPr lang="es-AR" smtClean="0"/>
-              <a:t>5/7/2025</a:t>
+              <a:t>14/7/2025</a:t>
             </a:fld>
             <a:endParaRPr lang="es-AR"/>
           </a:p>
@@ -4428,6 +5182,9 @@
   <p:clrMapOvr>
     <a:masterClrMapping/>
   </p:clrMapOvr>
+  <p:transition spd="slow">
+    <p:wheel spokes="1"/>
+  </p:transition>
 </p:sldLayout>
 </file>
 
@@ -4488,7 +5245,7 @@
           <a:p>
             <a:fld id="{58991995-0D6B-43E3-B6CE-FD6F88EB15F4}" type="datetimeFigureOut">
               <a:rPr lang="es-AR" smtClean="0"/>
-              <a:t>5/7/2025</a:t>
+              <a:t>14/7/2025</a:t>
             </a:fld>
             <a:endParaRPr lang="es-AR"/>
           </a:p>
@@ -4546,6 +5303,9 @@
   <p:clrMapOvr>
     <a:masterClrMapping/>
   </p:clrMapOvr>
+  <p:transition spd="slow">
+    <p:wheel spokes="1"/>
+  </p:transition>
 </p:sldLayout>
 </file>
 
@@ -4583,7 +5343,7 @@
           <a:p>
             <a:fld id="{58991995-0D6B-43E3-B6CE-FD6F88EB15F4}" type="datetimeFigureOut">
               <a:rPr lang="es-AR" smtClean="0"/>
-              <a:t>5/7/2025</a:t>
+              <a:t>14/7/2025</a:t>
             </a:fld>
             <a:endParaRPr lang="es-AR"/>
           </a:p>
@@ -4641,6 +5401,9 @@
   <p:clrMapOvr>
     <a:masterClrMapping/>
   </p:clrMapOvr>
+  <p:transition spd="slow">
+    <p:wheel spokes="1"/>
+  </p:transition>
 </p:sldLayout>
 </file>
 
@@ -4862,7 +5625,7 @@
           <a:p>
             <a:fld id="{58991995-0D6B-43E3-B6CE-FD6F88EB15F4}" type="datetimeFigureOut">
               <a:rPr lang="es-AR" smtClean="0"/>
-              <a:t>5/7/2025</a:t>
+              <a:t>14/7/2025</a:t>
             </a:fld>
             <a:endParaRPr lang="es-AR"/>
           </a:p>
@@ -4920,6 +5683,9 @@
   <p:clrMapOvr>
     <a:masterClrMapping/>
   </p:clrMapOvr>
+  <p:transition spd="slow">
+    <p:wheel spokes="1"/>
+  </p:transition>
 </p:sldLayout>
 </file>
 
@@ -5137,7 +5903,7 @@
           <a:p>
             <a:fld id="{58991995-0D6B-43E3-B6CE-FD6F88EB15F4}" type="datetimeFigureOut">
               <a:rPr lang="es-AR" smtClean="0"/>
-              <a:t>5/7/2025</a:t>
+              <a:t>14/7/2025</a:t>
             </a:fld>
             <a:endParaRPr lang="es-AR"/>
           </a:p>
@@ -5195,6 +5961,9 @@
   <p:clrMapOvr>
     <a:masterClrMapping/>
   </p:clrMapOvr>
+  <p:transition spd="slow">
+    <p:wheel spokes="1"/>
+  </p:transition>
 </p:sldLayout>
 </file>
 
@@ -5566,7 +6335,7 @@
           <a:p>
             <a:fld id="{58991995-0D6B-43E3-B6CE-FD6F88EB15F4}" type="datetimeFigureOut">
               <a:rPr lang="es-AR" smtClean="0"/>
-              <a:t>5/7/2025</a:t>
+              <a:t>14/7/2025</a:t>
             </a:fld>
             <a:endParaRPr lang="es-AR"/>
           </a:p>
@@ -5678,6 +6447,9 @@
     <p:sldLayoutId id="2147483820" r:id="rId16"/>
     <p:sldLayoutId id="2147483821" r:id="rId17"/>
   </p:sldLayoutIdLst>
+  <p:transition spd="slow">
+    <p:wheel spokes="1"/>
+  </p:transition>
   <p:txStyles>
     <p:titleStyle>
       <a:lvl1pPr algn="l" defTabSz="457200" rtl="0" eaLnBrk="1" latinLnBrk="0" hangingPunct="1">
@@ -6137,16 +6909,386 @@
           </a:p>
         </p:txBody>
       </p:sp>
+      <p:sp>
+        <p:nvSpPr>
+          <p:cNvPr id="6" name="5 Marcador de número de diapositiva"/>
+          <p:cNvSpPr>
+            <a:spLocks noGrp="1"/>
+          </p:cNvSpPr>
+          <p:nvPr>
+            <p:ph type="sldNum" sz="quarter" idx="12"/>
+          </p:nvPr>
+        </p:nvSpPr>
+        <p:spPr/>
+        <p:txBody>
+          <a:bodyPr/>
+          <a:lstStyle/>
+          <a:p>
+            <a:fld id="{64A0CCB8-7B2E-4641-80DC-C4E2165C710C}" type="slidenum">
+              <a:rPr lang="es-AR" smtClean="0"/>
+              <a:t>1</a:t>
+            </a:fld>
+            <a:endParaRPr lang="es-AR" dirty="0"/>
+          </a:p>
+        </p:txBody>
+      </p:sp>
       <p:pic>
         <p:nvPicPr>
-          <p:cNvPr id="4" name="Imagen 3"/>
+          <p:cNvPr id="1026" name="Picture 2" descr="C:\Users\pepito\Desktop\proyecto\logo.png"/>
+          <p:cNvPicPr>
+            <a:picLocks noChangeAspect="1" noChangeArrowheads="1"/>
+          </p:cNvPicPr>
+          <p:nvPr/>
+        </p:nvPicPr>
+        <p:blipFill>
+          <a:blip r:embed="rId2">
+            <a:extLst>
+              <a:ext uri="{28A0092B-C50C-407E-A947-70E740481C1C}">
+                <a14:useLocalDpi xmlns:a14="http://schemas.microsoft.com/office/drawing/2010/main" val="0"/>
+              </a:ext>
+            </a:extLst>
+          </a:blip>
+          <a:srcRect/>
+          <a:stretch>
+            <a:fillRect/>
+          </a:stretch>
+        </p:blipFill>
+        <p:spPr bwMode="auto">
+          <a:xfrm>
+            <a:off x="1097280" y="579120"/>
+            <a:ext cx="8915400" cy="5074919"/>
+          </a:xfrm>
+          <a:prstGeom prst="rect">
+            <a:avLst/>
+          </a:prstGeom>
+          <a:noFill/>
+          <a:extLst>
+            <a:ext uri="{909E8E84-426E-40DD-AFC4-6F175D3DCCD1}">
+              <a14:hiddenFill xmlns:a14="http://schemas.microsoft.com/office/drawing/2010/main">
+                <a:solidFill>
+                  <a:srgbClr val="FFFFFF"/>
+                </a:solidFill>
+              </a14:hiddenFill>
+            </a:ext>
+          </a:extLst>
+        </p:spPr>
+      </p:pic>
+    </p:spTree>
+    <p:extLst>
+      <p:ext uri="{BB962C8B-B14F-4D97-AF65-F5344CB8AC3E}">
+        <p14:creationId xmlns:p14="http://schemas.microsoft.com/office/powerpoint/2010/main" val="3967747965"/>
+      </p:ext>
+    </p:extLst>
+  </p:cSld>
+  <p:clrMapOvr>
+    <a:masterClrMapping/>
+  </p:clrMapOvr>
+  <p:transition spd="slow">
+    <p:wheel spokes="1"/>
+  </p:transition>
+  <p:timing>
+    <p:tnLst>
+      <p:par>
+        <p:cTn id="1" dur="indefinite" restart="never" nodeType="tmRoot">
+          <p:childTnLst>
+            <p:seq concurrent="1" nextAc="seek">
+              <p:cTn id="2" dur="indefinite" nodeType="mainSeq">
+                <p:childTnLst>
+                  <p:par>
+                    <p:cTn id="3" fill="hold">
+                      <p:stCondLst>
+                        <p:cond delay="indefinite"/>
+                        <p:cond evt="onBegin" delay="0">
+                          <p:tn val="2"/>
+                        </p:cond>
+                      </p:stCondLst>
+                      <p:childTnLst>
+                        <p:par>
+                          <p:cTn id="4" fill="hold">
+                            <p:stCondLst>
+                              <p:cond delay="0"/>
+                            </p:stCondLst>
+                            <p:childTnLst>
+                              <p:par>
+                                <p:cTn id="5" presetID="8" presetClass="entr" presetSubtype="16" fill="hold" nodeType="afterEffect">
+                                  <p:stCondLst>
+                                    <p:cond delay="500"/>
+                                  </p:stCondLst>
+                                  <p:childTnLst>
+                                    <p:set>
+                                      <p:cBhvr>
+                                        <p:cTn id="6" dur="1" fill="hold">
+                                          <p:stCondLst>
+                                            <p:cond delay="0"/>
+                                          </p:stCondLst>
+                                        </p:cTn>
+                                        <p:tgtEl>
+                                          <p:spTgt spid="1026"/>
+                                        </p:tgtEl>
+                                        <p:attrNameLst>
+                                          <p:attrName>style.visibility</p:attrName>
+                                        </p:attrNameLst>
+                                      </p:cBhvr>
+                                      <p:to>
+                                        <p:strVal val="visible"/>
+                                      </p:to>
+                                    </p:set>
+                                    <p:animEffect transition="in" filter="diamond(in)">
+                                      <p:cBhvr>
+                                        <p:cTn id="7" dur="2000"/>
+                                        <p:tgtEl>
+                                          <p:spTgt spid="1026"/>
+                                        </p:tgtEl>
+                                      </p:cBhvr>
+                                    </p:animEffect>
+                                  </p:childTnLst>
+                                </p:cTn>
+                              </p:par>
+                              <p:par>
+                                <p:cTn id="8" presetID="47" presetClass="entr" presetSubtype="0" fill="hold" grpId="0" nodeType="withEffect">
+                                  <p:stCondLst>
+                                    <p:cond delay="250"/>
+                                  </p:stCondLst>
+                                  <p:childTnLst>
+                                    <p:set>
+                                      <p:cBhvr>
+                                        <p:cTn id="9" dur="1" fill="hold">
+                                          <p:stCondLst>
+                                            <p:cond delay="0"/>
+                                          </p:stCondLst>
+                                        </p:cTn>
+                                        <p:tgtEl>
+                                          <p:spTgt spid="6"/>
+                                        </p:tgtEl>
+                                        <p:attrNameLst>
+                                          <p:attrName>style.visibility</p:attrName>
+                                        </p:attrNameLst>
+                                      </p:cBhvr>
+                                      <p:to>
+                                        <p:strVal val="visible"/>
+                                      </p:to>
+                                    </p:set>
+                                    <p:animEffect transition="in" filter="fade">
+                                      <p:cBhvr>
+                                        <p:cTn id="10" dur="750"/>
+                                        <p:tgtEl>
+                                          <p:spTgt spid="6"/>
+                                        </p:tgtEl>
+                                      </p:cBhvr>
+                                    </p:animEffect>
+                                    <p:anim calcmode="lin" valueType="num">
+                                      <p:cBhvr>
+                                        <p:cTn id="11" dur="750" fill="hold"/>
+                                        <p:tgtEl>
+                                          <p:spTgt spid="6"/>
+                                        </p:tgtEl>
+                                        <p:attrNameLst>
+                                          <p:attrName>ppt_x</p:attrName>
+                                        </p:attrNameLst>
+                                      </p:cBhvr>
+                                      <p:tavLst>
+                                        <p:tav tm="0">
+                                          <p:val>
+                                            <p:strVal val="#ppt_x"/>
+                                          </p:val>
+                                        </p:tav>
+                                        <p:tav tm="100000">
+                                          <p:val>
+                                            <p:strVal val="#ppt_x"/>
+                                          </p:val>
+                                        </p:tav>
+                                      </p:tavLst>
+                                    </p:anim>
+                                    <p:anim calcmode="lin" valueType="num">
+                                      <p:cBhvr>
+                                        <p:cTn id="12" dur="750" fill="hold"/>
+                                        <p:tgtEl>
+                                          <p:spTgt spid="6"/>
+                                        </p:tgtEl>
+                                        <p:attrNameLst>
+                                          <p:attrName>ppt_y</p:attrName>
+                                        </p:attrNameLst>
+                                      </p:cBhvr>
+                                      <p:tavLst>
+                                        <p:tav tm="0">
+                                          <p:val>
+                                            <p:strVal val="#ppt_y-.1"/>
+                                          </p:val>
+                                        </p:tav>
+                                        <p:tav tm="100000">
+                                          <p:val>
+                                            <p:strVal val="#ppt_y"/>
+                                          </p:val>
+                                        </p:tav>
+                                      </p:tavLst>
+                                    </p:anim>
+                                  </p:childTnLst>
+                                </p:cTn>
+                              </p:par>
+                            </p:childTnLst>
+                          </p:cTn>
+                        </p:par>
+                      </p:childTnLst>
+                    </p:cTn>
+                  </p:par>
+                </p:childTnLst>
+              </p:cTn>
+              <p:prevCondLst>
+                <p:cond evt="onPrev" delay="0">
+                  <p:tgtEl>
+                    <p:sldTgt/>
+                  </p:tgtEl>
+                </p:cond>
+              </p:prevCondLst>
+              <p:nextCondLst>
+                <p:cond evt="onNext" delay="0">
+                  <p:tgtEl>
+                    <p:sldTgt/>
+                  </p:tgtEl>
+                </p:cond>
+              </p:nextCondLst>
+            </p:seq>
+          </p:childTnLst>
+        </p:cTn>
+      </p:par>
+    </p:tnLst>
+    <p:bldLst>
+      <p:bldP spid="6" grpId="0"/>
+    </p:bldLst>
+  </p:timing>
+</p:sld>
+</file>
+
+<file path=ppt/slides/slide10.xml><?xml version="1.0" encoding="utf-8"?>
+<p:sld xmlns:a="http://schemas.openxmlformats.org/drawingml/2006/main" xmlns:r="http://schemas.openxmlformats.org/officeDocument/2006/relationships" xmlns:p="http://schemas.openxmlformats.org/presentationml/2006/main">
+  <p:cSld>
+    <p:spTree>
+      <p:nvGrpSpPr>
+        <p:cNvPr id="1" name=""/>
+        <p:cNvGrpSpPr/>
+        <p:nvPr/>
+      </p:nvGrpSpPr>
+      <p:grpSpPr>
+        <a:xfrm>
+          <a:off x="0" y="0"/>
+          <a:ext cx="0" cy="0"/>
+          <a:chOff x="0" y="0"/>
+          <a:chExt cx="0" cy="0"/>
+        </a:xfrm>
+      </p:grpSpPr>
+      <p:sp>
+        <p:nvSpPr>
+          <p:cNvPr id="4" name="Título 3"/>
+          <p:cNvSpPr>
+            <a:spLocks noGrp="1"/>
+          </p:cNvSpPr>
+          <p:nvPr>
+            <p:ph type="title"/>
+          </p:nvPr>
+        </p:nvSpPr>
+        <p:spPr/>
+        <p:txBody>
+          <a:bodyPr/>
+          <a:lstStyle/>
+          <a:p>
+            <a:pPr algn="ctr"/>
+            <a:r>
+              <a:rPr lang="es-ES" dirty="0" smtClean="0"/>
+              <a:t>Boceto</a:t>
+            </a:r>
+            <a:endParaRPr lang="es-AR" dirty="0"/>
+          </a:p>
+        </p:txBody>
+      </p:sp>
+      <p:sp>
+        <p:nvSpPr>
+          <p:cNvPr id="5" name="Marcador de contenido 4"/>
+          <p:cNvSpPr>
+            <a:spLocks noGrp="1"/>
+          </p:cNvSpPr>
+          <p:nvPr>
+            <p:ph sz="half" idx="1"/>
+          </p:nvPr>
+        </p:nvSpPr>
+        <p:spPr>
+          <a:xfrm>
+            <a:off x="1074959" y="1640850"/>
+            <a:ext cx="4396339" cy="4195763"/>
+          </a:xfrm>
+        </p:spPr>
+        <p:txBody>
+          <a:bodyPr/>
+          <a:lstStyle/>
+          <a:p>
+            <a:r>
+              <a:rPr lang="es-ES" dirty="0" smtClean="0"/>
+              <a:t>Parte principal con el chat</a:t>
+            </a:r>
+            <a:endParaRPr lang="es-AR" dirty="0"/>
+          </a:p>
+        </p:txBody>
+      </p:sp>
+      <p:sp>
+        <p:nvSpPr>
+          <p:cNvPr id="6" name="Marcador de contenido 5"/>
+          <p:cNvSpPr>
+            <a:spLocks noGrp="1"/>
+          </p:cNvSpPr>
+          <p:nvPr>
+            <p:ph sz="half" idx="2"/>
+          </p:nvPr>
+        </p:nvSpPr>
+        <p:spPr>
+          <a:xfrm>
+            <a:off x="5654493" y="1636368"/>
+            <a:ext cx="4396341" cy="4854919"/>
+          </a:xfrm>
+        </p:spPr>
+        <p:txBody>
+          <a:bodyPr/>
+          <a:lstStyle/>
+          <a:p>
+            <a:r>
+              <a:rPr lang="es-ES" dirty="0" smtClean="0"/>
+              <a:t>El menú al presionar el botón</a:t>
+            </a:r>
+            <a:endParaRPr lang="es-AR" dirty="0"/>
+          </a:p>
+        </p:txBody>
+      </p:sp>
+      <p:sp>
+        <p:nvSpPr>
+          <p:cNvPr id="7" name="Marcador de número de diapositiva 6"/>
+          <p:cNvSpPr>
+            <a:spLocks noGrp="1"/>
+          </p:cNvSpPr>
+          <p:nvPr>
+            <p:ph type="sldNum" sz="quarter" idx="12"/>
+          </p:nvPr>
+        </p:nvSpPr>
+        <p:spPr/>
+        <p:txBody>
+          <a:bodyPr/>
+          <a:lstStyle/>
+          <a:p>
+            <a:fld id="{64A0CCB8-7B2E-4641-80DC-C4E2165C710C}" type="slidenum">
+              <a:rPr lang="es-AR" smtClean="0"/>
+              <a:t>10</a:t>
+            </a:fld>
+            <a:endParaRPr lang="es-AR"/>
+          </a:p>
+        </p:txBody>
+      </p:sp>
+      <p:pic>
+        <p:nvPicPr>
+          <p:cNvPr id="8" name="Imagen 7"/>
           <p:cNvPicPr>
             <a:picLocks noChangeAspect="1"/>
           </p:cNvPicPr>
           <p:nvPr/>
         </p:nvPicPr>
         <p:blipFill>
-          <a:blip r:embed="rId2">
+          <a:blip r:embed="rId3">
             <a:extLst>
               <a:ext uri="{28A0092B-C50C-407E-A947-70E740481C1C}">
                 <a14:useLocalDpi xmlns:a14="http://schemas.microsoft.com/office/drawing/2010/main" val="0"/>
@@ -6159,73 +7301,185 @@
         </p:blipFill>
         <p:spPr>
           <a:xfrm>
-            <a:off x="1154956" y="584616"/>
-            <a:ext cx="8825658" cy="5591331"/>
+            <a:off x="891764" y="2081212"/>
+            <a:ext cx="4371975" cy="4410075"/>
           </a:xfrm>
           <a:prstGeom prst="rect">
             <a:avLst/>
           </a:prstGeom>
         </p:spPr>
       </p:pic>
-      <p:sp>
-        <p:nvSpPr>
-          <p:cNvPr id="5" name="CuadroTexto 4"/>
-          <p:cNvSpPr txBox="1"/>
+      <p:pic>
+        <p:nvPicPr>
+          <p:cNvPr id="2" name="Imagen 1"/>
+          <p:cNvPicPr>
+            <a:picLocks noChangeAspect="1"/>
+          </p:cNvPicPr>
           <p:nvPr/>
-        </p:nvSpPr>
+        </p:nvPicPr>
+        <p:blipFill>
+          <a:blip r:embed="rId4"/>
+          <a:stretch>
+            <a:fillRect/>
+          </a:stretch>
+        </p:blipFill>
         <p:spPr>
           <a:xfrm>
-            <a:off x="10523095" y="134911"/>
-            <a:ext cx="539646" cy="923330"/>
+            <a:off x="5471298" y="2049663"/>
+            <a:ext cx="4361905" cy="4441623"/>
           </a:xfrm>
           <a:prstGeom prst="rect">
             <a:avLst/>
           </a:prstGeom>
-          <a:noFill/>
         </p:spPr>
-        <p:txBody>
-          <a:bodyPr wrap="square" rtlCol="0">
-            <a:spAutoFit/>
-          </a:bodyPr>
-          <a:lstStyle/>
-          <a:p>
-            <a:r>
-              <a:rPr lang="es-ES" dirty="0" smtClean="0"/>
-              <a:t>7°i</a:t>
-            </a:r>
-          </a:p>
-          <a:p>
-            <a:endParaRPr lang="es-ES" dirty="0"/>
-          </a:p>
-          <a:p>
-            <a:r>
-              <a:rPr lang="es-ES" dirty="0"/>
-              <a:t>0</a:t>
-            </a:r>
-            <a:r>
-              <a:rPr lang="es-ES" dirty="0" smtClean="0"/>
-              <a:t>3</a:t>
-            </a:r>
-            <a:endParaRPr lang="es-AR" dirty="0"/>
-          </a:p>
-        </p:txBody>
-      </p:sp>
+      </p:pic>
     </p:spTree>
     <p:extLst>
       <p:ext uri="{BB962C8B-B14F-4D97-AF65-F5344CB8AC3E}">
-        <p14:creationId xmlns:p14="http://schemas.microsoft.com/office/powerpoint/2010/main" val="3967747965"/>
+        <p14:creationId xmlns:p14="http://schemas.microsoft.com/office/powerpoint/2010/main" val="4177914006"/>
       </p:ext>
     </p:extLst>
   </p:cSld>
   <p:clrMapOvr>
     <a:masterClrMapping/>
   </p:clrMapOvr>
+  <p:transition spd="slow">
+    <p:wheel spokes="1"/>
+  </p:transition>
   <p:timing>
     <p:tnLst>
       <p:par>
-        <p:cTn id="1" dur="indefinite" restart="never" nodeType="tmRoot"/>
+        <p:cTn id="1" dur="indefinite" restart="never" nodeType="tmRoot">
+          <p:childTnLst>
+            <p:seq concurrent="1" nextAc="seek">
+              <p:cTn id="2" dur="indefinite" nodeType="mainSeq">
+                <p:childTnLst>
+                  <p:par>
+                    <p:cTn id="3" fill="hold">
+                      <p:stCondLst>
+                        <p:cond delay="indefinite"/>
+                        <p:cond evt="onBegin" delay="0">
+                          <p:tn val="2"/>
+                        </p:cond>
+                      </p:stCondLst>
+                      <p:childTnLst>
+                        <p:par>
+                          <p:cTn id="4" fill="hold">
+                            <p:stCondLst>
+                              <p:cond delay="0"/>
+                            </p:stCondLst>
+                            <p:childTnLst>
+                              <p:par>
+                                <p:cTn id="5" presetID="47" presetClass="entr" presetSubtype="0" fill="hold" grpId="0" nodeType="afterEffect">
+                                  <p:stCondLst>
+                                    <p:cond delay="250"/>
+                                  </p:stCondLst>
+                                  <p:childTnLst>
+                                    <p:set>
+                                      <p:cBhvr>
+                                        <p:cTn id="6" dur="1" fill="hold">
+                                          <p:stCondLst>
+                                            <p:cond delay="0"/>
+                                          </p:stCondLst>
+                                        </p:cTn>
+                                        <p:tgtEl>
+                                          <p:spTgt spid="7"/>
+                                        </p:tgtEl>
+                                        <p:attrNameLst>
+                                          <p:attrName>style.visibility</p:attrName>
+                                        </p:attrNameLst>
+                                      </p:cBhvr>
+                                      <p:to>
+                                        <p:strVal val="visible"/>
+                                      </p:to>
+                                    </p:set>
+                                    <p:animEffect transition="in" filter="fade">
+                                      <p:cBhvr>
+                                        <p:cTn id="7" dur="750"/>
+                                        <p:tgtEl>
+                                          <p:spTgt spid="7"/>
+                                        </p:tgtEl>
+                                      </p:cBhvr>
+                                    </p:animEffect>
+                                    <p:anim calcmode="lin" valueType="num">
+                                      <p:cBhvr>
+                                        <p:cTn id="8" dur="750" fill="hold"/>
+                                        <p:tgtEl>
+                                          <p:spTgt spid="7"/>
+                                        </p:tgtEl>
+                                        <p:attrNameLst>
+                                          <p:attrName>ppt_x</p:attrName>
+                                        </p:attrNameLst>
+                                      </p:cBhvr>
+                                      <p:tavLst>
+                                        <p:tav tm="0">
+                                          <p:val>
+                                            <p:strVal val="#ppt_x"/>
+                                          </p:val>
+                                        </p:tav>
+                                        <p:tav tm="100000">
+                                          <p:val>
+                                            <p:strVal val="#ppt_x"/>
+                                          </p:val>
+                                        </p:tav>
+                                      </p:tavLst>
+                                    </p:anim>
+                                    <p:anim calcmode="lin" valueType="num">
+                                      <p:cBhvr>
+                                        <p:cTn id="9" dur="750" fill="hold"/>
+                                        <p:tgtEl>
+                                          <p:spTgt spid="7"/>
+                                        </p:tgtEl>
+                                        <p:attrNameLst>
+                                          <p:attrName>ppt_y</p:attrName>
+                                        </p:attrNameLst>
+                                      </p:cBhvr>
+                                      <p:tavLst>
+                                        <p:tav tm="0">
+                                          <p:val>
+                                            <p:strVal val="#ppt_y-.1"/>
+                                          </p:val>
+                                        </p:tav>
+                                        <p:tav tm="100000">
+                                          <p:val>
+                                            <p:strVal val="#ppt_y"/>
+                                          </p:val>
+                                        </p:tav>
+                                      </p:tavLst>
+                                    </p:anim>
+                                  </p:childTnLst>
+                                </p:cTn>
+                              </p:par>
+                            </p:childTnLst>
+                          </p:cTn>
+                        </p:par>
+                      </p:childTnLst>
+                    </p:cTn>
+                  </p:par>
+                </p:childTnLst>
+              </p:cTn>
+              <p:prevCondLst>
+                <p:cond evt="onPrev" delay="0">
+                  <p:tgtEl>
+                    <p:sldTgt/>
+                  </p:tgtEl>
+                </p:cond>
+              </p:prevCondLst>
+              <p:nextCondLst>
+                <p:cond evt="onNext" delay="0">
+                  <p:tgtEl>
+                    <p:sldTgt/>
+                  </p:tgtEl>
+                </p:cond>
+              </p:nextCondLst>
+            </p:seq>
+          </p:childTnLst>
+        </p:cTn>
       </p:par>
     </p:tnLst>
+    <p:bldLst>
+      <p:bldP spid="7" grpId="0"/>
+    </p:bldLst>
   </p:timing>
 </p:sld>
 </file>
@@ -6249,84 +7503,451 @@
       </p:grpSpPr>
       <p:sp>
         <p:nvSpPr>
-          <p:cNvPr id="2" name="Título 1"/>
-          <p:cNvSpPr>
-            <a:spLocks noGrp="1"/>
-          </p:cNvSpPr>
-          <p:nvPr>
-            <p:ph type="ctrTitle"/>
-          </p:nvPr>
-        </p:nvSpPr>
-        <p:spPr/>
-        <p:txBody>
-          <a:bodyPr/>
-          <a:lstStyle/>
-          <a:p>
-            <a:r>
-              <a:rPr lang="es-ES" dirty="0" smtClean="0"/>
-              <a:t>LEANDAL </a:t>
-            </a:r>
-            <a:endParaRPr lang="es-AR" dirty="0"/>
-          </a:p>
-        </p:txBody>
-      </p:sp>
-      <p:sp>
-        <p:nvSpPr>
-          <p:cNvPr id="3" name="Subtítulo 2"/>
-          <p:cNvSpPr>
-            <a:spLocks noGrp="1"/>
-          </p:cNvSpPr>
-          <p:nvPr>
-            <p:ph type="subTitle" idx="1"/>
-          </p:nvPr>
-        </p:nvSpPr>
-        <p:spPr/>
-        <p:txBody>
-          <a:bodyPr/>
-          <a:lstStyle/>
-          <a:p>
-            <a:r>
-              <a:rPr lang="es-ES" dirty="0" smtClean="0"/>
-              <a:t>Integrantes: Ojeda Leonardo, Ojeda Andrés y mansilla Alexis</a:t>
-            </a:r>
-            <a:endParaRPr lang="es-AR" dirty="0"/>
-          </a:p>
-        </p:txBody>
-      </p:sp>
-      <p:sp>
-        <p:nvSpPr>
-          <p:cNvPr id="8" name="CuadroTexto 7"/>
-          <p:cNvSpPr txBox="1"/>
-          <p:nvPr/>
+          <p:cNvPr id="2" name="1 Título"/>
+          <p:cNvSpPr>
+            <a:spLocks noGrp="1"/>
+          </p:cNvSpPr>
+          <p:nvPr>
+            <p:ph type="title"/>
+          </p:nvPr>
         </p:nvSpPr>
         <p:spPr>
           <a:xfrm>
-            <a:off x="10523095" y="134911"/>
-            <a:ext cx="539646" cy="923330"/>
+            <a:off x="691831" y="344985"/>
+            <a:ext cx="9404723" cy="1400530"/>
           </a:xfrm>
-          <a:prstGeom prst="rect">
+        </p:spPr>
+        <p:txBody>
+          <a:bodyPr/>
+          <a:lstStyle/>
+          <a:p>
+            <a:pPr algn="ctr"/>
+            <a:r>
+              <a:rPr lang="es-MX" dirty="0" smtClean="0"/>
+              <a:t>Índice</a:t>
+            </a:r>
+            <a:endParaRPr lang="es-AR" dirty="0"/>
+          </a:p>
+        </p:txBody>
+      </p:sp>
+      <p:sp>
+        <p:nvSpPr>
+          <p:cNvPr id="3" name="2 Marcador de contenido"/>
+          <p:cNvSpPr>
+            <a:spLocks noGrp="1"/>
+          </p:cNvSpPr>
+          <p:nvPr>
+            <p:ph idx="1"/>
+          </p:nvPr>
+        </p:nvSpPr>
+        <p:spPr/>
+        <p:txBody>
+          <a:bodyPr/>
+          <a:lstStyle/>
+          <a:p>
+            <a:pPr>
+              <a:buFont typeface="Wingdings" pitchFamily="2" charset="2"/>
+              <a:buChar char="v"/>
+            </a:pPr>
+            <a:r>
+              <a:rPr lang="es-MX" dirty="0" smtClean="0"/>
+              <a:t>Caratula:  diapositiva ……………………….3</a:t>
+            </a:r>
+          </a:p>
+          <a:p>
+            <a:pPr>
+              <a:buFont typeface="Wingdings" pitchFamily="2" charset="2"/>
+              <a:buChar char="v"/>
+            </a:pPr>
+            <a:r>
+              <a:rPr lang="es-MX" dirty="0" smtClean="0"/>
+              <a:t>Introducción:  </a:t>
+            </a:r>
+            <a:r>
+              <a:rPr lang="es-MX" dirty="0"/>
+              <a:t>diapositiva </a:t>
+            </a:r>
+            <a:r>
+              <a:rPr lang="es-MX" dirty="0" smtClean="0"/>
+              <a:t>………………….4</a:t>
+            </a:r>
+          </a:p>
+          <a:p>
+            <a:pPr>
+              <a:buFont typeface="Wingdings" pitchFamily="2" charset="2"/>
+              <a:buChar char="v"/>
+            </a:pPr>
+            <a:r>
+              <a:rPr lang="es-MX" dirty="0" smtClean="0"/>
+              <a:t>Tema Del Proyecto:  </a:t>
+            </a:r>
+            <a:r>
+              <a:rPr lang="es-MX" dirty="0"/>
+              <a:t>diapositiva </a:t>
+            </a:r>
+            <a:r>
+              <a:rPr lang="es-MX" dirty="0" smtClean="0"/>
+              <a:t>………….5</a:t>
+            </a:r>
+          </a:p>
+          <a:p>
+            <a:pPr>
+              <a:buFont typeface="Wingdings" pitchFamily="2" charset="2"/>
+              <a:buChar char="v"/>
+            </a:pPr>
+            <a:r>
+              <a:rPr lang="es-MX" dirty="0" smtClean="0"/>
+              <a:t>Desarrollo del Proyecto:  </a:t>
+            </a:r>
+            <a:r>
+              <a:rPr lang="es-MX" dirty="0"/>
+              <a:t>diapositiva …….</a:t>
+            </a:r>
+            <a:r>
+              <a:rPr lang="es-MX" dirty="0" smtClean="0"/>
+              <a:t>6</a:t>
+            </a:r>
+          </a:p>
+          <a:p>
+            <a:pPr>
+              <a:buFont typeface="Wingdings" pitchFamily="2" charset="2"/>
+              <a:buChar char="v"/>
+            </a:pPr>
+            <a:r>
+              <a:rPr lang="es-MX" dirty="0" smtClean="0"/>
+              <a:t>Diagramas:  </a:t>
+            </a:r>
+            <a:r>
+              <a:rPr lang="es-MX" dirty="0"/>
+              <a:t>diapositiva </a:t>
+            </a:r>
+            <a:r>
+              <a:rPr lang="es-MX" dirty="0" smtClean="0"/>
+              <a:t>………………7, 8, 9</a:t>
+            </a:r>
+          </a:p>
+          <a:p>
+            <a:pPr>
+              <a:buFont typeface="Wingdings" pitchFamily="2" charset="2"/>
+              <a:buChar char="v"/>
+            </a:pPr>
+            <a:r>
+              <a:rPr lang="es-MX" dirty="0" smtClean="0"/>
+              <a:t>Bocetos:  </a:t>
+            </a:r>
+            <a:r>
+              <a:rPr lang="es-MX" dirty="0"/>
+              <a:t>diapositiva </a:t>
+            </a:r>
+            <a:r>
+              <a:rPr lang="es-MX" dirty="0" smtClean="0"/>
+              <a:t>………………………10</a:t>
+            </a:r>
+            <a:endParaRPr lang="es-AR" dirty="0" smtClean="0"/>
+          </a:p>
+          <a:p>
+            <a:pPr>
+              <a:buFont typeface="Wingdings" pitchFamily="2" charset="2"/>
+              <a:buChar char="v"/>
+            </a:pPr>
+            <a:endParaRPr lang="es-AR" dirty="0"/>
+          </a:p>
+        </p:txBody>
+      </p:sp>
+      <p:sp>
+        <p:nvSpPr>
+          <p:cNvPr id="5" name="4 Rectángulo redondeado">
+            <a:hlinkClick r:id="rId2" action="ppaction://hlinkfile"/>
+          </p:cNvPr>
+          <p:cNvSpPr/>
+          <p:nvPr/>
+        </p:nvSpPr>
+        <p:spPr>
+          <a:xfrm>
+            <a:off x="7360920" y="2011680"/>
+            <a:ext cx="1798320" cy="360000"/>
+          </a:xfrm>
+          <a:prstGeom prst="roundRect">
             <a:avLst/>
           </a:prstGeom>
-          <a:noFill/>
         </p:spPr>
-        <p:txBody>
-          <a:bodyPr wrap="square" rtlCol="0">
-            <a:spAutoFit/>
-          </a:bodyPr>
-          <a:lstStyle/>
-          <a:p>
-            <a:r>
-              <a:rPr lang="es-ES" dirty="0" smtClean="0"/>
-              <a:t>7°i</a:t>
-            </a:r>
-          </a:p>
-          <a:p>
-            <a:endParaRPr lang="es-ES" dirty="0"/>
-          </a:p>
-          <a:p>
-            <a:r>
-              <a:rPr lang="es-ES" dirty="0" smtClean="0"/>
-              <a:t>03</a:t>
+        <p:style>
+          <a:lnRef idx="2">
+            <a:schemeClr val="accent1">
+              <a:shade val="50000"/>
+            </a:schemeClr>
+          </a:lnRef>
+          <a:fillRef idx="1">
+            <a:schemeClr val="accent1"/>
+          </a:fillRef>
+          <a:effectRef idx="0">
+            <a:schemeClr val="accent1"/>
+          </a:effectRef>
+          <a:fontRef idx="minor">
+            <a:schemeClr val="lt1"/>
+          </a:fontRef>
+        </p:style>
+        <p:txBody>
+          <a:bodyPr rtlCol="0" anchor="ctr"/>
+          <a:lstStyle/>
+          <a:p>
+            <a:pPr algn="ctr"/>
+            <a:r>
+              <a:rPr lang="es-MX" dirty="0" smtClean="0"/>
+              <a:t>Ver</a:t>
+            </a:r>
+            <a:endParaRPr lang="es-AR" dirty="0"/>
+          </a:p>
+        </p:txBody>
+      </p:sp>
+      <p:sp>
+        <p:nvSpPr>
+          <p:cNvPr id="6" name="5 Rectángulo redondeado">
+            <a:hlinkClick r:id="rId3" action="ppaction://hlinksldjump"/>
+          </p:cNvPr>
+          <p:cNvSpPr/>
+          <p:nvPr/>
+        </p:nvSpPr>
+        <p:spPr>
+          <a:xfrm>
+            <a:off x="7360920" y="2469414"/>
+            <a:ext cx="1798320" cy="360000"/>
+          </a:xfrm>
+          <a:prstGeom prst="roundRect">
+            <a:avLst/>
+          </a:prstGeom>
+        </p:spPr>
+        <p:style>
+          <a:lnRef idx="2">
+            <a:schemeClr val="accent1">
+              <a:shade val="50000"/>
+            </a:schemeClr>
+          </a:lnRef>
+          <a:fillRef idx="1">
+            <a:schemeClr val="accent1"/>
+          </a:fillRef>
+          <a:effectRef idx="0">
+            <a:schemeClr val="accent1"/>
+          </a:effectRef>
+          <a:fontRef idx="minor">
+            <a:schemeClr val="lt1"/>
+          </a:fontRef>
+        </p:style>
+        <p:txBody>
+          <a:bodyPr rtlCol="0" anchor="ctr"/>
+          <a:lstStyle/>
+          <a:p>
+            <a:pPr algn="ctr"/>
+            <a:r>
+              <a:rPr lang="es-MX" dirty="0" smtClean="0"/>
+              <a:t>Ver</a:t>
+            </a:r>
+            <a:endParaRPr lang="es-AR" dirty="0"/>
+          </a:p>
+        </p:txBody>
+      </p:sp>
+      <p:sp>
+        <p:nvSpPr>
+          <p:cNvPr id="7" name="6 Rectángulo redondeado">
+            <a:hlinkClick r:id="rId4" action="ppaction://hlinksldjump"/>
+          </p:cNvPr>
+          <p:cNvSpPr/>
+          <p:nvPr/>
+        </p:nvSpPr>
+        <p:spPr>
+          <a:xfrm>
+            <a:off x="7360920" y="2932576"/>
+            <a:ext cx="1798320" cy="360000"/>
+          </a:xfrm>
+          <a:prstGeom prst="roundRect">
+            <a:avLst/>
+          </a:prstGeom>
+        </p:spPr>
+        <p:style>
+          <a:lnRef idx="2">
+            <a:schemeClr val="accent1">
+              <a:shade val="50000"/>
+            </a:schemeClr>
+          </a:lnRef>
+          <a:fillRef idx="1">
+            <a:schemeClr val="accent1"/>
+          </a:fillRef>
+          <a:effectRef idx="0">
+            <a:schemeClr val="accent1"/>
+          </a:effectRef>
+          <a:fontRef idx="minor">
+            <a:schemeClr val="lt1"/>
+          </a:fontRef>
+        </p:style>
+        <p:txBody>
+          <a:bodyPr rtlCol="0" anchor="ctr"/>
+          <a:lstStyle/>
+          <a:p>
+            <a:pPr algn="ctr"/>
+            <a:r>
+              <a:rPr lang="es-MX" dirty="0" smtClean="0"/>
+              <a:t>Ver</a:t>
+            </a:r>
+            <a:endParaRPr lang="es-AR" dirty="0"/>
+          </a:p>
+        </p:txBody>
+      </p:sp>
+      <p:sp>
+        <p:nvSpPr>
+          <p:cNvPr id="9" name="8 Rectángulo redondeado">
+            <a:hlinkClick r:id="rId5" action="ppaction://hlinksldjump"/>
+          </p:cNvPr>
+          <p:cNvSpPr/>
+          <p:nvPr/>
+        </p:nvSpPr>
+        <p:spPr>
+          <a:xfrm>
+            <a:off x="7360920" y="3405016"/>
+            <a:ext cx="1798320" cy="360000"/>
+          </a:xfrm>
+          <a:prstGeom prst="roundRect">
+            <a:avLst/>
+          </a:prstGeom>
+        </p:spPr>
+        <p:style>
+          <a:lnRef idx="2">
+            <a:schemeClr val="accent1">
+              <a:shade val="50000"/>
+            </a:schemeClr>
+          </a:lnRef>
+          <a:fillRef idx="1">
+            <a:schemeClr val="accent1"/>
+          </a:fillRef>
+          <a:effectRef idx="0">
+            <a:schemeClr val="accent1"/>
+          </a:effectRef>
+          <a:fontRef idx="minor">
+            <a:schemeClr val="lt1"/>
+          </a:fontRef>
+        </p:style>
+        <p:txBody>
+          <a:bodyPr rtlCol="0" anchor="ctr"/>
+          <a:lstStyle/>
+          <a:p>
+            <a:pPr algn="ctr"/>
+            <a:r>
+              <a:rPr lang="es-MX" dirty="0" smtClean="0"/>
+              <a:t>Ver</a:t>
+            </a:r>
+            <a:endParaRPr lang="es-AR" dirty="0"/>
+          </a:p>
+        </p:txBody>
+      </p:sp>
+      <p:sp>
+        <p:nvSpPr>
+          <p:cNvPr id="11" name="10 Marcador de número de diapositiva"/>
+          <p:cNvSpPr>
+            <a:spLocks noGrp="1"/>
+          </p:cNvSpPr>
+          <p:nvPr>
+            <p:ph type="sldNum" sz="quarter" idx="12"/>
+          </p:nvPr>
+        </p:nvSpPr>
+        <p:spPr/>
+        <p:txBody>
+          <a:bodyPr/>
+          <a:lstStyle/>
+          <a:p>
+            <a:fld id="{64A0CCB8-7B2E-4641-80DC-C4E2165C710C}" type="slidenum">
+              <a:rPr lang="es-AR" smtClean="0"/>
+              <a:t>2</a:t>
+            </a:fld>
+            <a:endParaRPr lang="es-AR" dirty="0"/>
+          </a:p>
+        </p:txBody>
+      </p:sp>
+      <p:sp>
+        <p:nvSpPr>
+          <p:cNvPr id="10" name="8 Rectángulo redondeado">
+            <a:hlinkClick r:id="rId6" action="ppaction://hlinksldjump"/>
+          </p:cNvPr>
+          <p:cNvSpPr/>
+          <p:nvPr/>
+        </p:nvSpPr>
+        <p:spPr>
+          <a:xfrm>
+            <a:off x="7360920" y="3864805"/>
+            <a:ext cx="1798320" cy="360000"/>
+          </a:xfrm>
+          <a:prstGeom prst="roundRect">
+            <a:avLst/>
+          </a:prstGeom>
+        </p:spPr>
+        <p:style>
+          <a:lnRef idx="2">
+            <a:schemeClr val="accent1">
+              <a:shade val="50000"/>
+            </a:schemeClr>
+          </a:lnRef>
+          <a:fillRef idx="1">
+            <a:schemeClr val="accent1"/>
+          </a:fillRef>
+          <a:effectRef idx="0">
+            <a:schemeClr val="accent1"/>
+          </a:effectRef>
+          <a:fontRef idx="minor">
+            <a:schemeClr val="lt1"/>
+          </a:fontRef>
+        </p:style>
+        <p:txBody>
+          <a:bodyPr rtlCol="0" anchor="ctr"/>
+          <a:lstStyle/>
+          <a:p>
+            <a:pPr algn="ctr"/>
+            <a:r>
+              <a:rPr lang="es-MX" dirty="0" smtClean="0"/>
+              <a:t>Ver</a:t>
+            </a:r>
+            <a:endParaRPr lang="es-AR" dirty="0"/>
+          </a:p>
+        </p:txBody>
+      </p:sp>
+      <p:sp>
+        <p:nvSpPr>
+          <p:cNvPr id="12" name="8 Rectángulo redondeado">
+            <a:hlinkClick r:id="rId7" action="ppaction://hlinksldjump"/>
+          </p:cNvPr>
+          <p:cNvSpPr/>
+          <p:nvPr/>
+        </p:nvSpPr>
+        <p:spPr>
+          <a:xfrm>
+            <a:off x="7360920" y="4323582"/>
+            <a:ext cx="1798320" cy="360000"/>
+          </a:xfrm>
+          <a:prstGeom prst="roundRect">
+            <a:avLst/>
+          </a:prstGeom>
+        </p:spPr>
+        <p:style>
+          <a:lnRef idx="2">
+            <a:schemeClr val="accent1">
+              <a:shade val="50000"/>
+            </a:schemeClr>
+          </a:lnRef>
+          <a:fillRef idx="1">
+            <a:schemeClr val="accent1"/>
+          </a:fillRef>
+          <a:effectRef idx="0">
+            <a:schemeClr val="accent1"/>
+          </a:effectRef>
+          <a:fontRef idx="minor">
+            <a:schemeClr val="lt1"/>
+          </a:fontRef>
+        </p:style>
+        <p:txBody>
+          <a:bodyPr rtlCol="0" anchor="ctr"/>
+          <a:lstStyle/>
+          <a:p>
+            <a:pPr algn="ctr"/>
+            <a:r>
+              <a:rPr lang="es-MX" dirty="0" smtClean="0"/>
+              <a:t>Ver</a:t>
             </a:r>
             <a:endParaRPr lang="es-AR" dirty="0"/>
           </a:p>
@@ -6335,7 +7956,7 @@
     </p:spTree>
     <p:extLst>
       <p:ext uri="{BB962C8B-B14F-4D97-AF65-F5344CB8AC3E}">
-        <p14:creationId xmlns:p14="http://schemas.microsoft.com/office/powerpoint/2010/main" val="2228411619"/>
+        <p14:creationId xmlns:p14="http://schemas.microsoft.com/office/powerpoint/2010/main" val="4288804108"/>
       </p:ext>
     </p:extLst>
   </p:cSld>
@@ -6348,9 +7969,137 @@
   <p:timing>
     <p:tnLst>
       <p:par>
-        <p:cTn id="1" dur="indefinite" restart="never" nodeType="tmRoot"/>
+        <p:cTn id="1" dur="indefinite" restart="never" nodeType="tmRoot">
+          <p:childTnLst>
+            <p:seq concurrent="1" nextAc="seek">
+              <p:cTn id="2" dur="indefinite" nodeType="mainSeq">
+                <p:childTnLst>
+                  <p:par>
+                    <p:cTn id="3" fill="hold">
+                      <p:stCondLst>
+                        <p:cond delay="indefinite"/>
+                        <p:cond evt="onBegin" delay="0">
+                          <p:tn val="2"/>
+                        </p:cond>
+                      </p:stCondLst>
+                      <p:childTnLst>
+                        <p:par>
+                          <p:cTn id="4" fill="hold">
+                            <p:stCondLst>
+                              <p:cond delay="0"/>
+                            </p:stCondLst>
+                            <p:childTnLst>
+                              <p:par>
+                                <p:cTn id="5" presetID="47" presetClass="entr" presetSubtype="0" fill="hold" grpId="0" nodeType="afterEffect">
+                                  <p:stCondLst>
+                                    <p:cond delay="250"/>
+                                  </p:stCondLst>
+                                  <p:childTnLst>
+                                    <p:set>
+                                      <p:cBhvr>
+                                        <p:cTn id="6" dur="1" fill="hold">
+                                          <p:stCondLst>
+                                            <p:cond delay="0"/>
+                                          </p:stCondLst>
+                                        </p:cTn>
+                                        <p:tgtEl>
+                                          <p:spTgt spid="11"/>
+                                        </p:tgtEl>
+                                        <p:attrNameLst>
+                                          <p:attrName>style.visibility</p:attrName>
+                                        </p:attrNameLst>
+                                      </p:cBhvr>
+                                      <p:to>
+                                        <p:strVal val="visible"/>
+                                      </p:to>
+                                    </p:set>
+                                    <p:animEffect transition="in" filter="fade">
+                                      <p:cBhvr>
+                                        <p:cTn id="7" dur="750"/>
+                                        <p:tgtEl>
+                                          <p:spTgt spid="11"/>
+                                        </p:tgtEl>
+                                      </p:cBhvr>
+                                    </p:animEffect>
+                                    <p:anim calcmode="lin" valueType="num">
+                                      <p:cBhvr>
+                                        <p:cTn id="8" dur="750" fill="hold"/>
+                                        <p:tgtEl>
+                                          <p:spTgt spid="11"/>
+                                        </p:tgtEl>
+                                        <p:attrNameLst>
+                                          <p:attrName>ppt_x</p:attrName>
+                                        </p:attrNameLst>
+                                      </p:cBhvr>
+                                      <p:tavLst>
+                                        <p:tav tm="0">
+                                          <p:val>
+                                            <p:strVal val="#ppt_x"/>
+                                          </p:val>
+                                        </p:tav>
+                                        <p:tav tm="100000">
+                                          <p:val>
+                                            <p:strVal val="#ppt_x"/>
+                                          </p:val>
+                                        </p:tav>
+                                      </p:tavLst>
+                                    </p:anim>
+                                    <p:anim calcmode="lin" valueType="num">
+                                      <p:cBhvr>
+                                        <p:cTn id="9" dur="750" fill="hold"/>
+                                        <p:tgtEl>
+                                          <p:spTgt spid="11"/>
+                                        </p:tgtEl>
+                                        <p:attrNameLst>
+                                          <p:attrName>ppt_y</p:attrName>
+                                        </p:attrNameLst>
+                                      </p:cBhvr>
+                                      <p:tavLst>
+                                        <p:tav tm="0">
+                                          <p:val>
+                                            <p:strVal val="#ppt_y-.1"/>
+                                          </p:val>
+                                        </p:tav>
+                                        <p:tav tm="100000">
+                                          <p:val>
+                                            <p:strVal val="#ppt_y"/>
+                                          </p:val>
+                                        </p:tav>
+                                      </p:tavLst>
+                                    </p:anim>
+                                  </p:childTnLst>
+                                </p:cTn>
+                              </p:par>
+                            </p:childTnLst>
+                          </p:cTn>
+                        </p:par>
+                      </p:childTnLst>
+                    </p:cTn>
+                  </p:par>
+                </p:childTnLst>
+              </p:cTn>
+              <p:prevCondLst>
+                <p:cond evt="onPrev" delay="0">
+                  <p:tgtEl>
+                    <p:sldTgt/>
+                  </p:tgtEl>
+                </p:cond>
+              </p:prevCondLst>
+              <p:nextCondLst>
+                <p:cond evt="onNext" delay="0">
+                  <p:tgtEl>
+                    <p:sldTgt/>
+                  </p:tgtEl>
+                </p:cond>
+              </p:nextCondLst>
+            </p:seq>
+          </p:childTnLst>
+        </p:cTn>
       </p:par>
     </p:tnLst>
+    <p:bldLst>
+      <p:bldP spid="11" grpId="0"/>
+    </p:bldLst>
   </p:timing>
 </p:sld>
 </file>
@@ -6390,11 +8139,80 @@
             <a:pPr algn="ctr"/>
             <a:r>
               <a:rPr lang="es-ES" dirty="0" smtClean="0"/>
+              <a:t>Caratula</a:t>
+            </a:r>
+            <a:br>
+              <a:rPr lang="es-ES" dirty="0" smtClean="0"/>
+            </a:br>
+            <a:r>
+              <a:rPr lang="es-ES" dirty="0"/>
+              <a:t/>
+            </a:r>
+            <a:br>
+              <a:rPr lang="es-ES" dirty="0"/>
+            </a:br>
+            <a:r>
+              <a:rPr lang="es-ES" dirty="0" smtClean="0"/>
               <a:t> </a:t>
             </a:r>
+            <a:endParaRPr lang="es-AR" dirty="0"/>
+          </a:p>
+        </p:txBody>
+      </p:sp>
+      <p:sp>
+        <p:nvSpPr>
+          <p:cNvPr id="3" name="Subtítulo 2"/>
+          <p:cNvSpPr>
+            <a:spLocks noGrp="1"/>
+          </p:cNvSpPr>
+          <p:nvPr>
+            <p:ph idx="1"/>
+          </p:nvPr>
+        </p:nvSpPr>
+        <p:spPr/>
+        <p:txBody>
+          <a:bodyPr/>
+          <a:lstStyle/>
+          <a:p>
             <a:r>
               <a:rPr lang="es-ES" dirty="0" smtClean="0"/>
-              <a:t>Introducción</a:t>
+              <a:t>Nombre del proyecto: Leandal IA</a:t>
+            </a:r>
+          </a:p>
+          <a:p>
+            <a:r>
+              <a:rPr lang="es-ES" dirty="0" smtClean="0"/>
+              <a:t>N° de grupo: 03</a:t>
+            </a:r>
+          </a:p>
+          <a:p>
+            <a:r>
+              <a:rPr lang="es-ES" dirty="0" smtClean="0"/>
+              <a:t>Integrantes: Ojeda Leonardo, Ojeda Andrés y mansilla Alexis</a:t>
+            </a:r>
+          </a:p>
+          <a:p>
+            <a:r>
+              <a:rPr lang="es-ES" dirty="0" smtClean="0"/>
+              <a:t>Profesor: Ponce Daniel</a:t>
+            </a:r>
+          </a:p>
+          <a:p>
+            <a:r>
+              <a:rPr lang="es-ES" dirty="0" smtClean="0"/>
+              <a:t>Curso: Programación</a:t>
+            </a:r>
+          </a:p>
+          <a:p>
+            <a:r>
+              <a:rPr lang="es-ES" dirty="0" smtClean="0"/>
+              <a:t>División: °i</a:t>
+            </a:r>
+          </a:p>
+          <a:p>
+            <a:r>
+              <a:rPr lang="es-ES" dirty="0" smtClean="0"/>
+              <a:t>Año: 7°</a:t>
             </a:r>
             <a:endParaRPr lang="es-AR" dirty="0"/>
           </a:p>
@@ -6402,12 +8220,12 @@
       </p:sp>
       <p:sp>
         <p:nvSpPr>
-          <p:cNvPr id="3" name="Subtítulo 2"/>
-          <p:cNvSpPr>
-            <a:spLocks noGrp="1"/>
-          </p:cNvSpPr>
-          <p:nvPr>
-            <p:ph sz="half" idx="1"/>
+          <p:cNvPr id="4" name="3 Marcador de número de diapositiva"/>
+          <p:cNvSpPr>
+            <a:spLocks noGrp="1"/>
+          </p:cNvSpPr>
+          <p:nvPr>
+            <p:ph type="sldNum" sz="quarter" idx="12"/>
           </p:nvPr>
         </p:nvSpPr>
         <p:spPr/>
@@ -6415,111 +8233,10 @@
           <a:bodyPr/>
           <a:lstStyle/>
           <a:p>
-            <a:r>
-              <a:rPr lang="es-AR" dirty="0"/>
-              <a:t>D</a:t>
-            </a:r>
-            <a:r>
-              <a:rPr lang="es-AR" dirty="0" smtClean="0"/>
-              <a:t>ecidimos </a:t>
-            </a:r>
-            <a:r>
-              <a:rPr lang="es-AR" dirty="0"/>
-              <a:t>elegir como proyecto realizar una </a:t>
-            </a:r>
-            <a:r>
-              <a:rPr lang="es-AR" dirty="0" smtClean="0"/>
-              <a:t>IA porque </a:t>
-            </a:r>
-            <a:r>
-              <a:rPr lang="es-AR" dirty="0"/>
-              <a:t>nos pareció un proyecto desafiante que nos ayudara como experiencia en el </a:t>
-            </a:r>
-            <a:r>
-              <a:rPr lang="es-AR" dirty="0" smtClean="0"/>
-              <a:t>futuro, </a:t>
-            </a:r>
-            <a:r>
-              <a:rPr lang="es-AR" dirty="0"/>
-              <a:t>a</a:t>
-            </a:r>
-            <a:r>
-              <a:rPr lang="es-AR" dirty="0" smtClean="0"/>
-              <a:t>demás de ser algo innovador en la escuela, teníamos una idea mas clara de como funciona una IA</a:t>
-            </a:r>
-            <a:endParaRPr lang="es-AR" dirty="0"/>
-          </a:p>
-        </p:txBody>
-      </p:sp>
-      <p:sp>
-        <p:nvSpPr>
-          <p:cNvPr id="7" name="Marcador de contenido 6"/>
-          <p:cNvSpPr>
-            <a:spLocks noGrp="1"/>
-          </p:cNvSpPr>
-          <p:nvPr>
-            <p:ph sz="half" idx="2"/>
-          </p:nvPr>
-        </p:nvSpPr>
-        <p:spPr/>
-        <p:txBody>
-          <a:bodyPr/>
-          <a:lstStyle/>
-          <a:p>
-            <a:r>
-              <a:rPr lang="es-AR" dirty="0" smtClean="0"/>
-              <a:t>Otra opción que pensamos era </a:t>
-            </a:r>
-            <a:r>
-              <a:rPr lang="es-AR" dirty="0"/>
-              <a:t>hacer un videojuego como proyecto pero nos pareció muy complejo para desarrollarlo, además de que no nos convenció la idea </a:t>
-            </a:r>
-            <a:r>
-              <a:rPr lang="es-AR" dirty="0" smtClean="0"/>
-              <a:t>base.</a:t>
-            </a:r>
-            <a:endParaRPr lang="es-AR" dirty="0"/>
-          </a:p>
-          <a:p>
-            <a:endParaRPr lang="es-AR" dirty="0"/>
-          </a:p>
-        </p:txBody>
-      </p:sp>
-      <p:sp>
-        <p:nvSpPr>
-          <p:cNvPr id="8" name="CuadroTexto 7"/>
-          <p:cNvSpPr txBox="1"/>
-          <p:nvPr/>
-        </p:nvSpPr>
-        <p:spPr>
-          <a:xfrm>
-            <a:off x="10523095" y="134911"/>
-            <a:ext cx="539646" cy="923330"/>
-          </a:xfrm>
-          <a:prstGeom prst="rect">
-            <a:avLst/>
-          </a:prstGeom>
-          <a:noFill/>
-        </p:spPr>
-        <p:txBody>
-          <a:bodyPr wrap="square" rtlCol="0">
-            <a:spAutoFit/>
-          </a:bodyPr>
-          <a:lstStyle/>
-          <a:p>
-            <a:r>
-              <a:rPr lang="es-ES" dirty="0" smtClean="0"/>
-              <a:t>7°i</a:t>
-            </a:r>
-          </a:p>
-          <a:p>
-            <a:endParaRPr lang="es-ES" dirty="0"/>
-          </a:p>
-          <a:p>
-            <a:r>
-              <a:rPr lang="es-ES" dirty="0" smtClean="0"/>
-              <a:t>03</a:t>
-            </a:r>
+            <a:fld id="{64A0CCB8-7B2E-4641-80DC-C4E2165C710C}" type="slidenum">
+              <a:rPr lang="es-AR" smtClean="0"/>
+              <a:t>3</a:t>
+            </a:fld>
             <a:endParaRPr lang="es-AR" dirty="0"/>
           </a:p>
         </p:txBody>
@@ -6527,7 +8244,7 @@
     </p:spTree>
     <p:extLst>
       <p:ext uri="{BB962C8B-B14F-4D97-AF65-F5344CB8AC3E}">
-        <p14:creationId xmlns:p14="http://schemas.microsoft.com/office/powerpoint/2010/main" val="4287081100"/>
+        <p14:creationId xmlns:p14="http://schemas.microsoft.com/office/powerpoint/2010/main" val="2228411619"/>
       </p:ext>
     </p:extLst>
   </p:cSld>
@@ -6540,9 +8257,137 @@
   <p:timing>
     <p:tnLst>
       <p:par>
-        <p:cTn id="1" dur="indefinite" restart="never" nodeType="tmRoot"/>
+        <p:cTn id="1" dur="indefinite" restart="never" nodeType="tmRoot">
+          <p:childTnLst>
+            <p:seq concurrent="1" nextAc="seek">
+              <p:cTn id="2" dur="indefinite" nodeType="mainSeq">
+                <p:childTnLst>
+                  <p:par>
+                    <p:cTn id="3" fill="hold">
+                      <p:stCondLst>
+                        <p:cond delay="indefinite"/>
+                        <p:cond evt="onBegin" delay="0">
+                          <p:tn val="2"/>
+                        </p:cond>
+                      </p:stCondLst>
+                      <p:childTnLst>
+                        <p:par>
+                          <p:cTn id="4" fill="hold">
+                            <p:stCondLst>
+                              <p:cond delay="0"/>
+                            </p:stCondLst>
+                            <p:childTnLst>
+                              <p:par>
+                                <p:cTn id="5" presetID="47" presetClass="entr" presetSubtype="0" fill="hold" grpId="0" nodeType="afterEffect">
+                                  <p:stCondLst>
+                                    <p:cond delay="250"/>
+                                  </p:stCondLst>
+                                  <p:childTnLst>
+                                    <p:set>
+                                      <p:cBhvr>
+                                        <p:cTn id="6" dur="1" fill="hold">
+                                          <p:stCondLst>
+                                            <p:cond delay="0"/>
+                                          </p:stCondLst>
+                                        </p:cTn>
+                                        <p:tgtEl>
+                                          <p:spTgt spid="4"/>
+                                        </p:tgtEl>
+                                        <p:attrNameLst>
+                                          <p:attrName>style.visibility</p:attrName>
+                                        </p:attrNameLst>
+                                      </p:cBhvr>
+                                      <p:to>
+                                        <p:strVal val="visible"/>
+                                      </p:to>
+                                    </p:set>
+                                    <p:animEffect transition="in" filter="fade">
+                                      <p:cBhvr>
+                                        <p:cTn id="7" dur="750"/>
+                                        <p:tgtEl>
+                                          <p:spTgt spid="4"/>
+                                        </p:tgtEl>
+                                      </p:cBhvr>
+                                    </p:animEffect>
+                                    <p:anim calcmode="lin" valueType="num">
+                                      <p:cBhvr>
+                                        <p:cTn id="8" dur="750" fill="hold"/>
+                                        <p:tgtEl>
+                                          <p:spTgt spid="4"/>
+                                        </p:tgtEl>
+                                        <p:attrNameLst>
+                                          <p:attrName>ppt_x</p:attrName>
+                                        </p:attrNameLst>
+                                      </p:cBhvr>
+                                      <p:tavLst>
+                                        <p:tav tm="0">
+                                          <p:val>
+                                            <p:strVal val="#ppt_x"/>
+                                          </p:val>
+                                        </p:tav>
+                                        <p:tav tm="100000">
+                                          <p:val>
+                                            <p:strVal val="#ppt_x"/>
+                                          </p:val>
+                                        </p:tav>
+                                      </p:tavLst>
+                                    </p:anim>
+                                    <p:anim calcmode="lin" valueType="num">
+                                      <p:cBhvr>
+                                        <p:cTn id="9" dur="750" fill="hold"/>
+                                        <p:tgtEl>
+                                          <p:spTgt spid="4"/>
+                                        </p:tgtEl>
+                                        <p:attrNameLst>
+                                          <p:attrName>ppt_y</p:attrName>
+                                        </p:attrNameLst>
+                                      </p:cBhvr>
+                                      <p:tavLst>
+                                        <p:tav tm="0">
+                                          <p:val>
+                                            <p:strVal val="#ppt_y-.1"/>
+                                          </p:val>
+                                        </p:tav>
+                                        <p:tav tm="100000">
+                                          <p:val>
+                                            <p:strVal val="#ppt_y"/>
+                                          </p:val>
+                                        </p:tav>
+                                      </p:tavLst>
+                                    </p:anim>
+                                  </p:childTnLst>
+                                </p:cTn>
+                              </p:par>
+                            </p:childTnLst>
+                          </p:cTn>
+                        </p:par>
+                      </p:childTnLst>
+                    </p:cTn>
+                  </p:par>
+                </p:childTnLst>
+              </p:cTn>
+              <p:prevCondLst>
+                <p:cond evt="onPrev" delay="0">
+                  <p:tgtEl>
+                    <p:sldTgt/>
+                  </p:tgtEl>
+                </p:cond>
+              </p:prevCondLst>
+              <p:nextCondLst>
+                <p:cond evt="onNext" delay="0">
+                  <p:tgtEl>
+                    <p:sldTgt/>
+                  </p:tgtEl>
+                </p:cond>
+              </p:nextCondLst>
+            </p:seq>
+          </p:childTnLst>
+        </p:cTn>
       </p:par>
     </p:tnLst>
+    <p:bldLst>
+      <p:bldP spid="4" grpId="0"/>
+    </p:bldLst>
   </p:timing>
 </p:sld>
 </file>
@@ -6582,6 +8427,307 @@
             <a:pPr algn="ctr"/>
             <a:r>
               <a:rPr lang="es-ES" dirty="0" smtClean="0"/>
+              <a:t> Introducción</a:t>
+            </a:r>
+            <a:endParaRPr lang="es-AR" dirty="0"/>
+          </a:p>
+        </p:txBody>
+      </p:sp>
+      <p:sp>
+        <p:nvSpPr>
+          <p:cNvPr id="3" name="Subtítulo 2"/>
+          <p:cNvSpPr>
+            <a:spLocks noGrp="1"/>
+          </p:cNvSpPr>
+          <p:nvPr>
+            <p:ph sz="half" idx="1"/>
+          </p:nvPr>
+        </p:nvSpPr>
+        <p:spPr/>
+        <p:txBody>
+          <a:bodyPr/>
+          <a:lstStyle/>
+          <a:p>
+            <a:r>
+              <a:rPr lang="es-AR" dirty="0"/>
+              <a:t>D</a:t>
+            </a:r>
+            <a:r>
+              <a:rPr lang="es-AR" dirty="0" smtClean="0"/>
+              <a:t>ecidimos </a:t>
+            </a:r>
+            <a:r>
+              <a:rPr lang="es-AR" dirty="0"/>
+              <a:t>elegir como proyecto realizar una </a:t>
+            </a:r>
+            <a:r>
+              <a:rPr lang="es-AR" dirty="0" smtClean="0"/>
+              <a:t>IA porque </a:t>
+            </a:r>
+            <a:r>
+              <a:rPr lang="es-AR" dirty="0"/>
+              <a:t>nos pareció un proyecto desafiante que nos ayudara como experiencia en el </a:t>
+            </a:r>
+            <a:r>
+              <a:rPr lang="es-AR" dirty="0" smtClean="0"/>
+              <a:t>futuro, </a:t>
+            </a:r>
+            <a:r>
+              <a:rPr lang="es-AR" dirty="0"/>
+              <a:t>a</a:t>
+            </a:r>
+            <a:r>
+              <a:rPr lang="es-AR" dirty="0" smtClean="0"/>
+              <a:t>demás de ser algo innovador en la escuela y saber como es que funciona una IA.</a:t>
+            </a:r>
+            <a:endParaRPr lang="es-AR" dirty="0"/>
+          </a:p>
+        </p:txBody>
+      </p:sp>
+      <p:sp>
+        <p:nvSpPr>
+          <p:cNvPr id="7" name="Marcador de contenido 6"/>
+          <p:cNvSpPr>
+            <a:spLocks noGrp="1"/>
+          </p:cNvSpPr>
+          <p:nvPr>
+            <p:ph sz="half" idx="2"/>
+          </p:nvPr>
+        </p:nvSpPr>
+        <p:spPr/>
+        <p:txBody>
+          <a:bodyPr/>
+          <a:lstStyle/>
+          <a:p>
+            <a:r>
+              <a:rPr lang="es-AR" dirty="0" smtClean="0"/>
+              <a:t>Otra opción que pensamos era </a:t>
+            </a:r>
+            <a:r>
+              <a:rPr lang="es-AR" dirty="0"/>
+              <a:t>hacer un videojuego como proyecto pero </a:t>
+            </a:r>
+            <a:r>
+              <a:rPr lang="es-AR" dirty="0" smtClean="0"/>
+              <a:t>no nos </a:t>
+            </a:r>
+            <a:r>
+              <a:rPr lang="es-AR" dirty="0" smtClean="0"/>
+              <a:t>pareció conveniente porque la idea del juego no estaba muy solida y además, ninguno tiene mucha experiencia en el desarrollo de juegos.</a:t>
+            </a:r>
+            <a:endParaRPr lang="es-AR" dirty="0"/>
+          </a:p>
+        </p:txBody>
+      </p:sp>
+      <p:sp>
+        <p:nvSpPr>
+          <p:cNvPr id="4" name="3 Marcador de número de diapositiva"/>
+          <p:cNvSpPr>
+            <a:spLocks noGrp="1"/>
+          </p:cNvSpPr>
+          <p:nvPr>
+            <p:ph type="sldNum" sz="quarter" idx="12"/>
+          </p:nvPr>
+        </p:nvSpPr>
+        <p:spPr/>
+        <p:txBody>
+          <a:bodyPr/>
+          <a:lstStyle/>
+          <a:p>
+            <a:fld id="{64A0CCB8-7B2E-4641-80DC-C4E2165C710C}" type="slidenum">
+              <a:rPr lang="es-AR" smtClean="0"/>
+              <a:t>4</a:t>
+            </a:fld>
+            <a:endParaRPr lang="es-AR" dirty="0"/>
+          </a:p>
+        </p:txBody>
+      </p:sp>
+    </p:spTree>
+    <p:extLst>
+      <p:ext uri="{BB962C8B-B14F-4D97-AF65-F5344CB8AC3E}">
+        <p14:creationId xmlns:p14="http://schemas.microsoft.com/office/powerpoint/2010/main" val="4287081100"/>
+      </p:ext>
+    </p:extLst>
+  </p:cSld>
+  <p:clrMapOvr>
+    <a:masterClrMapping/>
+  </p:clrMapOvr>
+  <p:transition spd="slow">
+    <p:wheel spokes="1"/>
+  </p:transition>
+  <p:timing>
+    <p:tnLst>
+      <p:par>
+        <p:cTn id="1" dur="indefinite" restart="never" nodeType="tmRoot">
+          <p:childTnLst>
+            <p:seq concurrent="1" nextAc="seek">
+              <p:cTn id="2" dur="indefinite" nodeType="mainSeq">
+                <p:childTnLst>
+                  <p:par>
+                    <p:cTn id="3" fill="hold">
+                      <p:stCondLst>
+                        <p:cond delay="indefinite"/>
+                        <p:cond evt="onBegin" delay="0">
+                          <p:tn val="2"/>
+                        </p:cond>
+                      </p:stCondLst>
+                      <p:childTnLst>
+                        <p:par>
+                          <p:cTn id="4" fill="hold">
+                            <p:stCondLst>
+                              <p:cond delay="0"/>
+                            </p:stCondLst>
+                            <p:childTnLst>
+                              <p:par>
+                                <p:cTn id="5" presetID="47" presetClass="entr" presetSubtype="0" fill="hold" grpId="0" nodeType="afterEffect">
+                                  <p:stCondLst>
+                                    <p:cond delay="250"/>
+                                  </p:stCondLst>
+                                  <p:childTnLst>
+                                    <p:set>
+                                      <p:cBhvr>
+                                        <p:cTn id="6" dur="1" fill="hold">
+                                          <p:stCondLst>
+                                            <p:cond delay="0"/>
+                                          </p:stCondLst>
+                                        </p:cTn>
+                                        <p:tgtEl>
+                                          <p:spTgt spid="4"/>
+                                        </p:tgtEl>
+                                        <p:attrNameLst>
+                                          <p:attrName>style.visibility</p:attrName>
+                                        </p:attrNameLst>
+                                      </p:cBhvr>
+                                      <p:to>
+                                        <p:strVal val="visible"/>
+                                      </p:to>
+                                    </p:set>
+                                    <p:animEffect transition="in" filter="fade">
+                                      <p:cBhvr>
+                                        <p:cTn id="7" dur="750"/>
+                                        <p:tgtEl>
+                                          <p:spTgt spid="4"/>
+                                        </p:tgtEl>
+                                      </p:cBhvr>
+                                    </p:animEffect>
+                                    <p:anim calcmode="lin" valueType="num">
+                                      <p:cBhvr>
+                                        <p:cTn id="8" dur="750" fill="hold"/>
+                                        <p:tgtEl>
+                                          <p:spTgt spid="4"/>
+                                        </p:tgtEl>
+                                        <p:attrNameLst>
+                                          <p:attrName>ppt_x</p:attrName>
+                                        </p:attrNameLst>
+                                      </p:cBhvr>
+                                      <p:tavLst>
+                                        <p:tav tm="0">
+                                          <p:val>
+                                            <p:strVal val="#ppt_x"/>
+                                          </p:val>
+                                        </p:tav>
+                                        <p:tav tm="100000">
+                                          <p:val>
+                                            <p:strVal val="#ppt_x"/>
+                                          </p:val>
+                                        </p:tav>
+                                      </p:tavLst>
+                                    </p:anim>
+                                    <p:anim calcmode="lin" valueType="num">
+                                      <p:cBhvr>
+                                        <p:cTn id="9" dur="750" fill="hold"/>
+                                        <p:tgtEl>
+                                          <p:spTgt spid="4"/>
+                                        </p:tgtEl>
+                                        <p:attrNameLst>
+                                          <p:attrName>ppt_y</p:attrName>
+                                        </p:attrNameLst>
+                                      </p:cBhvr>
+                                      <p:tavLst>
+                                        <p:tav tm="0">
+                                          <p:val>
+                                            <p:strVal val="#ppt_y-.1"/>
+                                          </p:val>
+                                        </p:tav>
+                                        <p:tav tm="100000">
+                                          <p:val>
+                                            <p:strVal val="#ppt_y"/>
+                                          </p:val>
+                                        </p:tav>
+                                      </p:tavLst>
+                                    </p:anim>
+                                  </p:childTnLst>
+                                </p:cTn>
+                              </p:par>
+                            </p:childTnLst>
+                          </p:cTn>
+                        </p:par>
+                      </p:childTnLst>
+                    </p:cTn>
+                  </p:par>
+                </p:childTnLst>
+              </p:cTn>
+              <p:prevCondLst>
+                <p:cond evt="onPrev" delay="0">
+                  <p:tgtEl>
+                    <p:sldTgt/>
+                  </p:tgtEl>
+                </p:cond>
+              </p:prevCondLst>
+              <p:nextCondLst>
+                <p:cond evt="onNext" delay="0">
+                  <p:tgtEl>
+                    <p:sldTgt/>
+                  </p:tgtEl>
+                </p:cond>
+              </p:nextCondLst>
+            </p:seq>
+          </p:childTnLst>
+        </p:cTn>
+      </p:par>
+    </p:tnLst>
+    <p:bldLst>
+      <p:bldP spid="4" grpId="0"/>
+    </p:bldLst>
+  </p:timing>
+</p:sld>
+</file>
+
+<file path=ppt/slides/slide5.xml><?xml version="1.0" encoding="utf-8"?>
+<p:sld xmlns:a="http://schemas.openxmlformats.org/drawingml/2006/main" xmlns:r="http://schemas.openxmlformats.org/officeDocument/2006/relationships" xmlns:p="http://schemas.openxmlformats.org/presentationml/2006/main">
+  <p:cSld>
+    <p:spTree>
+      <p:nvGrpSpPr>
+        <p:cNvPr id="1" name=""/>
+        <p:cNvGrpSpPr/>
+        <p:nvPr/>
+      </p:nvGrpSpPr>
+      <p:grpSpPr>
+        <a:xfrm>
+          <a:off x="0" y="0"/>
+          <a:ext cx="0" cy="0"/>
+          <a:chOff x="0" y="0"/>
+          <a:chExt cx="0" cy="0"/>
+        </a:xfrm>
+      </p:grpSpPr>
+      <p:sp>
+        <p:nvSpPr>
+          <p:cNvPr id="2" name="Título 1"/>
+          <p:cNvSpPr>
+            <a:spLocks noGrp="1"/>
+          </p:cNvSpPr>
+          <p:nvPr>
+            <p:ph type="title"/>
+          </p:nvPr>
+        </p:nvSpPr>
+        <p:spPr/>
+        <p:txBody>
+          <a:bodyPr/>
+          <a:lstStyle/>
+          <a:p>
+            <a:pPr algn="ctr"/>
+            <a:r>
+              <a:rPr lang="es-ES" dirty="0" smtClean="0"/>
               <a:t>Tema del proyecto</a:t>
             </a:r>
             <a:endParaRPr lang="es-AR" dirty="0"/>
@@ -6735,40 +8881,24 @@
       </p:sp>
       <p:sp>
         <p:nvSpPr>
-          <p:cNvPr id="8" name="CuadroTexto 7"/>
-          <p:cNvSpPr txBox="1"/>
-          <p:nvPr/>
-        </p:nvSpPr>
-        <p:spPr>
-          <a:xfrm>
-            <a:off x="10538085" y="149902"/>
-            <a:ext cx="539646" cy="923330"/>
-          </a:xfrm>
-          <a:prstGeom prst="rect">
-            <a:avLst/>
-          </a:prstGeom>
-          <a:noFill/>
-        </p:spPr>
-        <p:txBody>
-          <a:bodyPr wrap="square" rtlCol="0">
-            <a:spAutoFit/>
-          </a:bodyPr>
-          <a:lstStyle/>
-          <a:p>
-            <a:r>
-              <a:rPr lang="es-ES" dirty="0" smtClean="0"/>
-              <a:t>7°i</a:t>
-            </a:r>
-          </a:p>
-          <a:p>
-            <a:endParaRPr lang="es-ES" dirty="0"/>
-          </a:p>
-          <a:p>
-            <a:r>
-              <a:rPr lang="es-ES" dirty="0" smtClean="0"/>
-              <a:t>03</a:t>
-            </a:r>
-            <a:endParaRPr lang="es-AR" dirty="0"/>
+          <p:cNvPr id="3" name="2 Marcador de número de diapositiva"/>
+          <p:cNvSpPr>
+            <a:spLocks noGrp="1"/>
+          </p:cNvSpPr>
+          <p:nvPr>
+            <p:ph type="sldNum" sz="quarter" idx="12"/>
+          </p:nvPr>
+        </p:nvSpPr>
+        <p:spPr/>
+        <p:txBody>
+          <a:bodyPr/>
+          <a:lstStyle/>
+          <a:p>
+            <a:fld id="{64A0CCB8-7B2E-4641-80DC-C4E2165C710C}" type="slidenum">
+              <a:rPr lang="es-AR" smtClean="0"/>
+              <a:t>5</a:t>
+            </a:fld>
+            <a:endParaRPr lang="es-AR"/>
           </a:p>
         </p:txBody>
       </p:sp>
@@ -6788,9 +8918,1341 @@
   <p:timing>
     <p:tnLst>
       <p:par>
-        <p:cTn id="1" dur="indefinite" restart="never" nodeType="tmRoot"/>
+        <p:cTn id="1" dur="indefinite" restart="never" nodeType="tmRoot">
+          <p:childTnLst>
+            <p:seq concurrent="1" nextAc="seek">
+              <p:cTn id="2" dur="indefinite" nodeType="mainSeq">
+                <p:childTnLst>
+                  <p:par>
+                    <p:cTn id="3" fill="hold">
+                      <p:stCondLst>
+                        <p:cond delay="indefinite"/>
+                        <p:cond evt="onBegin" delay="0">
+                          <p:tn val="2"/>
+                        </p:cond>
+                      </p:stCondLst>
+                      <p:childTnLst>
+                        <p:par>
+                          <p:cTn id="4" fill="hold">
+                            <p:stCondLst>
+                              <p:cond delay="0"/>
+                            </p:stCondLst>
+                            <p:childTnLst>
+                              <p:par>
+                                <p:cTn id="5" presetID="47" presetClass="entr" presetSubtype="0" fill="hold" grpId="0" nodeType="afterEffect">
+                                  <p:stCondLst>
+                                    <p:cond delay="250"/>
+                                  </p:stCondLst>
+                                  <p:childTnLst>
+                                    <p:set>
+                                      <p:cBhvr>
+                                        <p:cTn id="6" dur="1" fill="hold">
+                                          <p:stCondLst>
+                                            <p:cond delay="0"/>
+                                          </p:stCondLst>
+                                        </p:cTn>
+                                        <p:tgtEl>
+                                          <p:spTgt spid="3"/>
+                                        </p:tgtEl>
+                                        <p:attrNameLst>
+                                          <p:attrName>style.visibility</p:attrName>
+                                        </p:attrNameLst>
+                                      </p:cBhvr>
+                                      <p:to>
+                                        <p:strVal val="visible"/>
+                                      </p:to>
+                                    </p:set>
+                                    <p:animEffect transition="in" filter="fade">
+                                      <p:cBhvr>
+                                        <p:cTn id="7" dur="750"/>
+                                        <p:tgtEl>
+                                          <p:spTgt spid="3"/>
+                                        </p:tgtEl>
+                                      </p:cBhvr>
+                                    </p:animEffect>
+                                    <p:anim calcmode="lin" valueType="num">
+                                      <p:cBhvr>
+                                        <p:cTn id="8" dur="750" fill="hold"/>
+                                        <p:tgtEl>
+                                          <p:spTgt spid="3"/>
+                                        </p:tgtEl>
+                                        <p:attrNameLst>
+                                          <p:attrName>ppt_x</p:attrName>
+                                        </p:attrNameLst>
+                                      </p:cBhvr>
+                                      <p:tavLst>
+                                        <p:tav tm="0">
+                                          <p:val>
+                                            <p:strVal val="#ppt_x"/>
+                                          </p:val>
+                                        </p:tav>
+                                        <p:tav tm="100000">
+                                          <p:val>
+                                            <p:strVal val="#ppt_x"/>
+                                          </p:val>
+                                        </p:tav>
+                                      </p:tavLst>
+                                    </p:anim>
+                                    <p:anim calcmode="lin" valueType="num">
+                                      <p:cBhvr>
+                                        <p:cTn id="9" dur="750" fill="hold"/>
+                                        <p:tgtEl>
+                                          <p:spTgt spid="3"/>
+                                        </p:tgtEl>
+                                        <p:attrNameLst>
+                                          <p:attrName>ppt_y</p:attrName>
+                                        </p:attrNameLst>
+                                      </p:cBhvr>
+                                      <p:tavLst>
+                                        <p:tav tm="0">
+                                          <p:val>
+                                            <p:strVal val="#ppt_y-.1"/>
+                                          </p:val>
+                                        </p:tav>
+                                        <p:tav tm="100000">
+                                          <p:val>
+                                            <p:strVal val="#ppt_y"/>
+                                          </p:val>
+                                        </p:tav>
+                                      </p:tavLst>
+                                    </p:anim>
+                                  </p:childTnLst>
+                                </p:cTn>
+                              </p:par>
+                            </p:childTnLst>
+                          </p:cTn>
+                        </p:par>
+                      </p:childTnLst>
+                    </p:cTn>
+                  </p:par>
+                </p:childTnLst>
+              </p:cTn>
+              <p:prevCondLst>
+                <p:cond evt="onPrev" delay="0">
+                  <p:tgtEl>
+                    <p:sldTgt/>
+                  </p:tgtEl>
+                </p:cond>
+              </p:prevCondLst>
+              <p:nextCondLst>
+                <p:cond evt="onNext" delay="0">
+                  <p:tgtEl>
+                    <p:sldTgt/>
+                  </p:tgtEl>
+                </p:cond>
+              </p:nextCondLst>
+            </p:seq>
+          </p:childTnLst>
+        </p:cTn>
       </p:par>
     </p:tnLst>
+    <p:bldLst>
+      <p:bldP spid="3" grpId="0"/>
+    </p:bldLst>
+  </p:timing>
+</p:sld>
+</file>
+
+<file path=ppt/slides/slide6.xml><?xml version="1.0" encoding="utf-8"?>
+<p:sld xmlns:a="http://schemas.openxmlformats.org/drawingml/2006/main" xmlns:r="http://schemas.openxmlformats.org/officeDocument/2006/relationships" xmlns:p="http://schemas.openxmlformats.org/presentationml/2006/main">
+  <p:cSld>
+    <p:spTree>
+      <p:nvGrpSpPr>
+        <p:cNvPr id="1" name=""/>
+        <p:cNvGrpSpPr/>
+        <p:nvPr/>
+      </p:nvGrpSpPr>
+      <p:grpSpPr>
+        <a:xfrm>
+          <a:off x="0" y="0"/>
+          <a:ext cx="0" cy="0"/>
+          <a:chOff x="0" y="0"/>
+          <a:chExt cx="0" cy="0"/>
+        </a:xfrm>
+      </p:grpSpPr>
+      <p:sp>
+        <p:nvSpPr>
+          <p:cNvPr id="7" name="Título 6"/>
+          <p:cNvSpPr>
+            <a:spLocks noGrp="1"/>
+          </p:cNvSpPr>
+          <p:nvPr>
+            <p:ph type="title"/>
+          </p:nvPr>
+        </p:nvSpPr>
+        <p:spPr/>
+        <p:txBody>
+          <a:bodyPr/>
+          <a:lstStyle/>
+          <a:p>
+            <a:pPr algn="ctr"/>
+            <a:r>
+              <a:rPr lang="es-ES" dirty="0" smtClean="0"/>
+              <a:t>Desarrollo del proyecto</a:t>
+            </a:r>
+            <a:endParaRPr lang="es-AR" dirty="0"/>
+          </a:p>
+        </p:txBody>
+      </p:sp>
+      <p:sp>
+        <p:nvSpPr>
+          <p:cNvPr id="8" name="Marcador de texto 7"/>
+          <p:cNvSpPr>
+            <a:spLocks noGrp="1"/>
+          </p:cNvSpPr>
+          <p:nvPr>
+            <p:ph type="body" idx="1"/>
+          </p:nvPr>
+        </p:nvSpPr>
+        <p:spPr/>
+        <p:txBody>
+          <a:bodyPr/>
+          <a:lstStyle/>
+          <a:p>
+            <a:pPr algn="ctr"/>
+            <a:r>
+              <a:rPr lang="es-ES" dirty="0" smtClean="0"/>
+              <a:t>Trabajo en Equipo</a:t>
+            </a:r>
+            <a:endParaRPr lang="es-AR" dirty="0"/>
+          </a:p>
+        </p:txBody>
+      </p:sp>
+      <p:sp>
+        <p:nvSpPr>
+          <p:cNvPr id="9" name="Marcador de contenido 8"/>
+          <p:cNvSpPr>
+            <a:spLocks noGrp="1"/>
+          </p:cNvSpPr>
+          <p:nvPr>
+            <p:ph sz="half" idx="2"/>
+          </p:nvPr>
+        </p:nvSpPr>
+        <p:spPr/>
+        <p:txBody>
+          <a:bodyPr/>
+          <a:lstStyle/>
+          <a:p>
+            <a:r>
+              <a:rPr lang="es-ES" dirty="0" smtClean="0"/>
+              <a:t>El trabajo en equipo lo hicimos con reuniones en la escuela y comunicación desde nuestras casas, trabajando colaborativamente a distancia.</a:t>
+            </a:r>
+          </a:p>
+          <a:p>
+            <a:r>
+              <a:rPr lang="es-ES" dirty="0" smtClean="0"/>
+              <a:t>Usamos la metodología de trabajo “kanban” para la organización del proyecto.</a:t>
+            </a:r>
+            <a:endParaRPr lang="es-AR" dirty="0"/>
+          </a:p>
+        </p:txBody>
+      </p:sp>
+      <p:sp>
+        <p:nvSpPr>
+          <p:cNvPr id="10" name="Marcador de texto 9"/>
+          <p:cNvSpPr>
+            <a:spLocks noGrp="1"/>
+          </p:cNvSpPr>
+          <p:nvPr>
+            <p:ph type="body" sz="quarter" idx="3"/>
+          </p:nvPr>
+        </p:nvSpPr>
+        <p:spPr/>
+        <p:txBody>
+          <a:bodyPr/>
+          <a:lstStyle/>
+          <a:p>
+            <a:pPr algn="ctr"/>
+            <a:r>
+              <a:rPr lang="es-ES" dirty="0" smtClean="0"/>
+              <a:t>Herramientas</a:t>
+            </a:r>
+            <a:endParaRPr lang="es-AR" dirty="0"/>
+          </a:p>
+        </p:txBody>
+      </p:sp>
+      <p:sp>
+        <p:nvSpPr>
+          <p:cNvPr id="11" name="Marcador de contenido 10"/>
+          <p:cNvSpPr>
+            <a:spLocks noGrp="1"/>
+          </p:cNvSpPr>
+          <p:nvPr>
+            <p:ph sz="quarter" idx="4"/>
+          </p:nvPr>
+        </p:nvSpPr>
+        <p:spPr/>
+        <p:txBody>
+          <a:bodyPr/>
+          <a:lstStyle/>
+          <a:p>
+            <a:r>
+              <a:rPr lang="es-ES" dirty="0"/>
+              <a:t>Usamos un repositorio en Git hub para guardar todo el desarrollo, además de también usarlo para el control de versiones.</a:t>
+            </a:r>
+          </a:p>
+          <a:p>
+            <a:r>
+              <a:rPr lang="es-ES" dirty="0" smtClean="0"/>
+              <a:t>La IA va a estar desarrollada con PHP y JS para el funcionamiento, MySQL para la Base de Datos, HTML Y CSS para el diseño y XAMPP para el servidor.</a:t>
+            </a:r>
+          </a:p>
+          <a:p>
+            <a:r>
+              <a:rPr lang="es-ES" dirty="0" smtClean="0"/>
+              <a:t>También usamos canva y draw.io para los pre diseños y diagramas.</a:t>
+            </a:r>
+            <a:endParaRPr lang="es-AR" dirty="0"/>
+          </a:p>
+        </p:txBody>
+      </p:sp>
+      <p:sp>
+        <p:nvSpPr>
+          <p:cNvPr id="12" name="Marcador de número de diapositiva 11"/>
+          <p:cNvSpPr>
+            <a:spLocks noGrp="1"/>
+          </p:cNvSpPr>
+          <p:nvPr>
+            <p:ph type="sldNum" sz="quarter" idx="12"/>
+          </p:nvPr>
+        </p:nvSpPr>
+        <p:spPr/>
+        <p:txBody>
+          <a:bodyPr/>
+          <a:lstStyle/>
+          <a:p>
+            <a:fld id="{64A0CCB8-7B2E-4641-80DC-C4E2165C710C}" type="slidenum">
+              <a:rPr lang="es-AR" smtClean="0"/>
+              <a:t>6</a:t>
+            </a:fld>
+            <a:endParaRPr lang="es-AR" dirty="0"/>
+          </a:p>
+        </p:txBody>
+      </p:sp>
+    </p:spTree>
+    <p:extLst>
+      <p:ext uri="{BB962C8B-B14F-4D97-AF65-F5344CB8AC3E}">
+        <p14:creationId xmlns:p14="http://schemas.microsoft.com/office/powerpoint/2010/main" val="2918746675"/>
+      </p:ext>
+    </p:extLst>
+  </p:cSld>
+  <p:clrMapOvr>
+    <a:masterClrMapping/>
+  </p:clrMapOvr>
+  <p:transition spd="slow">
+    <p:wheel spokes="1"/>
+  </p:transition>
+  <p:timing>
+    <p:tnLst>
+      <p:par>
+        <p:cTn id="1" dur="indefinite" restart="never" nodeType="tmRoot">
+          <p:childTnLst>
+            <p:seq concurrent="1" nextAc="seek">
+              <p:cTn id="2" dur="indefinite" nodeType="mainSeq">
+                <p:childTnLst>
+                  <p:par>
+                    <p:cTn id="3" fill="hold">
+                      <p:stCondLst>
+                        <p:cond delay="indefinite"/>
+                        <p:cond evt="onBegin" delay="0">
+                          <p:tn val="2"/>
+                        </p:cond>
+                      </p:stCondLst>
+                      <p:childTnLst>
+                        <p:par>
+                          <p:cTn id="4" fill="hold">
+                            <p:stCondLst>
+                              <p:cond delay="0"/>
+                            </p:stCondLst>
+                            <p:childTnLst>
+                              <p:par>
+                                <p:cTn id="5" presetID="47" presetClass="entr" presetSubtype="0" fill="hold" grpId="0" nodeType="afterEffect">
+                                  <p:stCondLst>
+                                    <p:cond delay="250"/>
+                                  </p:stCondLst>
+                                  <p:childTnLst>
+                                    <p:set>
+                                      <p:cBhvr>
+                                        <p:cTn id="6" dur="1" fill="hold">
+                                          <p:stCondLst>
+                                            <p:cond delay="0"/>
+                                          </p:stCondLst>
+                                        </p:cTn>
+                                        <p:tgtEl>
+                                          <p:spTgt spid="12"/>
+                                        </p:tgtEl>
+                                        <p:attrNameLst>
+                                          <p:attrName>style.visibility</p:attrName>
+                                        </p:attrNameLst>
+                                      </p:cBhvr>
+                                      <p:to>
+                                        <p:strVal val="visible"/>
+                                      </p:to>
+                                    </p:set>
+                                    <p:animEffect transition="in" filter="fade">
+                                      <p:cBhvr>
+                                        <p:cTn id="7" dur="750"/>
+                                        <p:tgtEl>
+                                          <p:spTgt spid="12"/>
+                                        </p:tgtEl>
+                                      </p:cBhvr>
+                                    </p:animEffect>
+                                    <p:anim calcmode="lin" valueType="num">
+                                      <p:cBhvr>
+                                        <p:cTn id="8" dur="750" fill="hold"/>
+                                        <p:tgtEl>
+                                          <p:spTgt spid="12"/>
+                                        </p:tgtEl>
+                                        <p:attrNameLst>
+                                          <p:attrName>ppt_x</p:attrName>
+                                        </p:attrNameLst>
+                                      </p:cBhvr>
+                                      <p:tavLst>
+                                        <p:tav tm="0">
+                                          <p:val>
+                                            <p:strVal val="#ppt_x"/>
+                                          </p:val>
+                                        </p:tav>
+                                        <p:tav tm="100000">
+                                          <p:val>
+                                            <p:strVal val="#ppt_x"/>
+                                          </p:val>
+                                        </p:tav>
+                                      </p:tavLst>
+                                    </p:anim>
+                                    <p:anim calcmode="lin" valueType="num">
+                                      <p:cBhvr>
+                                        <p:cTn id="9" dur="750" fill="hold"/>
+                                        <p:tgtEl>
+                                          <p:spTgt spid="12"/>
+                                        </p:tgtEl>
+                                        <p:attrNameLst>
+                                          <p:attrName>ppt_y</p:attrName>
+                                        </p:attrNameLst>
+                                      </p:cBhvr>
+                                      <p:tavLst>
+                                        <p:tav tm="0">
+                                          <p:val>
+                                            <p:strVal val="#ppt_y-.1"/>
+                                          </p:val>
+                                        </p:tav>
+                                        <p:tav tm="100000">
+                                          <p:val>
+                                            <p:strVal val="#ppt_y"/>
+                                          </p:val>
+                                        </p:tav>
+                                      </p:tavLst>
+                                    </p:anim>
+                                  </p:childTnLst>
+                                </p:cTn>
+                              </p:par>
+                            </p:childTnLst>
+                          </p:cTn>
+                        </p:par>
+                      </p:childTnLst>
+                    </p:cTn>
+                  </p:par>
+                </p:childTnLst>
+              </p:cTn>
+              <p:prevCondLst>
+                <p:cond evt="onPrev" delay="0">
+                  <p:tgtEl>
+                    <p:sldTgt/>
+                  </p:tgtEl>
+                </p:cond>
+              </p:prevCondLst>
+              <p:nextCondLst>
+                <p:cond evt="onNext" delay="0">
+                  <p:tgtEl>
+                    <p:sldTgt/>
+                  </p:tgtEl>
+                </p:cond>
+              </p:nextCondLst>
+            </p:seq>
+          </p:childTnLst>
+        </p:cTn>
+      </p:par>
+    </p:tnLst>
+    <p:bldLst>
+      <p:bldP spid="12" grpId="0"/>
+    </p:bldLst>
+  </p:timing>
+</p:sld>
+</file>
+
+<file path=ppt/slides/slide7.xml><?xml version="1.0" encoding="utf-8"?>
+<p:sld xmlns:a="http://schemas.openxmlformats.org/drawingml/2006/main" xmlns:r="http://schemas.openxmlformats.org/officeDocument/2006/relationships" xmlns:p="http://schemas.openxmlformats.org/presentationml/2006/main">
+  <p:cSld>
+    <p:spTree>
+      <p:nvGrpSpPr>
+        <p:cNvPr id="1" name=""/>
+        <p:cNvGrpSpPr/>
+        <p:nvPr/>
+      </p:nvGrpSpPr>
+      <p:grpSpPr>
+        <a:xfrm>
+          <a:off x="0" y="0"/>
+          <a:ext cx="0" cy="0"/>
+          <a:chOff x="0" y="0"/>
+          <a:chExt cx="0" cy="0"/>
+        </a:xfrm>
+      </p:grpSpPr>
+      <p:sp>
+        <p:nvSpPr>
+          <p:cNvPr id="11" name="10 Título"/>
+          <p:cNvSpPr>
+            <a:spLocks noGrp="1"/>
+          </p:cNvSpPr>
+          <p:nvPr>
+            <p:ph type="title"/>
+          </p:nvPr>
+        </p:nvSpPr>
+        <p:spPr/>
+        <p:txBody>
+          <a:bodyPr/>
+          <a:lstStyle/>
+          <a:p>
+            <a:pPr algn="ctr"/>
+            <a:r>
+              <a:rPr lang="es-MX" dirty="0"/>
+              <a:t>D</a:t>
+            </a:r>
+            <a:r>
+              <a:rPr lang="es-MX" dirty="0" smtClean="0"/>
+              <a:t>iagramas</a:t>
+            </a:r>
+            <a:endParaRPr lang="es-AR" dirty="0"/>
+          </a:p>
+        </p:txBody>
+      </p:sp>
+      <p:sp>
+        <p:nvSpPr>
+          <p:cNvPr id="12" name="11 Marcador de texto"/>
+          <p:cNvSpPr>
+            <a:spLocks noGrp="1"/>
+          </p:cNvSpPr>
+          <p:nvPr>
+            <p:ph type="body" idx="1"/>
+          </p:nvPr>
+        </p:nvSpPr>
+        <p:spPr>
+          <a:xfrm>
+            <a:off x="1118553" y="1310640"/>
+            <a:ext cx="4396338" cy="576262"/>
+          </a:xfrm>
+        </p:spPr>
+        <p:txBody>
+          <a:bodyPr/>
+          <a:lstStyle/>
+          <a:p>
+            <a:r>
+              <a:rPr lang="es-MX" dirty="0" smtClean="0"/>
+              <a:t>Diagrama de Actividad</a:t>
+            </a:r>
+            <a:endParaRPr lang="es-AR" dirty="0"/>
+          </a:p>
+        </p:txBody>
+      </p:sp>
+      <p:sp>
+        <p:nvSpPr>
+          <p:cNvPr id="14" name="13 Marcador de texto"/>
+          <p:cNvSpPr>
+            <a:spLocks noGrp="1"/>
+          </p:cNvSpPr>
+          <p:nvPr>
+            <p:ph type="body" sz="quarter" idx="3"/>
+          </p:nvPr>
+        </p:nvSpPr>
+        <p:spPr>
+          <a:xfrm>
+            <a:off x="7208975" y="1371600"/>
+            <a:ext cx="4396339" cy="576262"/>
+          </a:xfrm>
+        </p:spPr>
+        <p:txBody>
+          <a:bodyPr/>
+          <a:lstStyle/>
+          <a:p>
+            <a:r>
+              <a:rPr lang="es-MX" dirty="0" smtClean="0"/>
+              <a:t>Diagrama de Estado</a:t>
+            </a:r>
+            <a:endParaRPr lang="es-AR" dirty="0"/>
+          </a:p>
+        </p:txBody>
+      </p:sp>
+      <p:pic>
+        <p:nvPicPr>
+          <p:cNvPr id="16" name="15 Marcador de contenido"/>
+          <p:cNvPicPr>
+            <a:picLocks noGrp="1"/>
+          </p:cNvPicPr>
+          <p:nvPr>
+            <p:ph sz="half" idx="2"/>
+          </p:nvPr>
+        </p:nvPicPr>
+        <p:blipFill>
+          <a:blip r:embed="rId2">
+            <a:extLst>
+              <a:ext uri="{28A0092B-C50C-407E-A947-70E740481C1C}">
+                <a14:useLocalDpi xmlns:a14="http://schemas.microsoft.com/office/drawing/2010/main" val="0"/>
+              </a:ext>
+            </a:extLst>
+          </a:blip>
+          <a:srcRect/>
+          <a:stretch>
+            <a:fillRect/>
+          </a:stretch>
+        </p:blipFill>
+        <p:spPr bwMode="auto">
+          <a:xfrm>
+            <a:off x="137160" y="2087881"/>
+            <a:ext cx="6156960" cy="4160520"/>
+          </a:xfrm>
+          <a:prstGeom prst="rect">
+            <a:avLst/>
+          </a:prstGeom>
+          <a:noFill/>
+          <a:ln>
+            <a:noFill/>
+          </a:ln>
+        </p:spPr>
+      </p:pic>
+      <p:pic>
+        <p:nvPicPr>
+          <p:cNvPr id="17" name="16 Marcador de contenido"/>
+          <p:cNvPicPr>
+            <a:picLocks noGrp="1"/>
+          </p:cNvPicPr>
+          <p:nvPr>
+            <p:ph sz="quarter" idx="4"/>
+          </p:nvPr>
+        </p:nvPicPr>
+        <p:blipFill>
+          <a:blip r:embed="rId3">
+            <a:extLst>
+              <a:ext uri="{28A0092B-C50C-407E-A947-70E740481C1C}">
+                <a14:useLocalDpi xmlns:a14="http://schemas.microsoft.com/office/drawing/2010/main" val="0"/>
+              </a:ext>
+            </a:extLst>
+          </a:blip>
+          <a:srcRect/>
+          <a:stretch>
+            <a:fillRect/>
+          </a:stretch>
+        </p:blipFill>
+        <p:spPr bwMode="auto">
+          <a:xfrm>
+            <a:off x="7116218" y="1981200"/>
+            <a:ext cx="4039461" cy="4678680"/>
+          </a:xfrm>
+          <a:prstGeom prst="rect">
+            <a:avLst/>
+          </a:prstGeom>
+          <a:noFill/>
+          <a:ln>
+            <a:noFill/>
+          </a:ln>
+        </p:spPr>
+      </p:pic>
+      <p:sp>
+        <p:nvSpPr>
+          <p:cNvPr id="19" name="18 Marcador de número de diapositiva"/>
+          <p:cNvSpPr>
+            <a:spLocks noGrp="1"/>
+          </p:cNvSpPr>
+          <p:nvPr>
+            <p:ph type="sldNum" sz="quarter" idx="12"/>
+          </p:nvPr>
+        </p:nvSpPr>
+        <p:spPr/>
+        <p:txBody>
+          <a:bodyPr/>
+          <a:lstStyle/>
+          <a:p>
+            <a:fld id="{64A0CCB8-7B2E-4641-80DC-C4E2165C710C}" type="slidenum">
+              <a:rPr lang="es-AR" smtClean="0"/>
+              <a:t>7</a:t>
+            </a:fld>
+            <a:endParaRPr lang="es-AR" dirty="0"/>
+          </a:p>
+        </p:txBody>
+      </p:sp>
+    </p:spTree>
+    <p:extLst>
+      <p:ext uri="{BB962C8B-B14F-4D97-AF65-F5344CB8AC3E}">
+        <p14:creationId xmlns:p14="http://schemas.microsoft.com/office/powerpoint/2010/main" val="27721520"/>
+      </p:ext>
+    </p:extLst>
+  </p:cSld>
+  <p:clrMapOvr>
+    <a:masterClrMapping/>
+  </p:clrMapOvr>
+  <p:transition spd="slow">
+    <p:wheel spokes="1"/>
+  </p:transition>
+  <p:timing>
+    <p:tnLst>
+      <p:par>
+        <p:cTn id="1" dur="indefinite" restart="never" nodeType="tmRoot">
+          <p:childTnLst>
+            <p:seq concurrent="1" nextAc="seek">
+              <p:cTn id="2" dur="indefinite" nodeType="mainSeq">
+                <p:childTnLst>
+                  <p:par>
+                    <p:cTn id="3" fill="hold">
+                      <p:stCondLst>
+                        <p:cond delay="indefinite"/>
+                        <p:cond evt="onBegin" delay="0">
+                          <p:tn val="2"/>
+                        </p:cond>
+                      </p:stCondLst>
+                      <p:childTnLst>
+                        <p:par>
+                          <p:cTn id="4" fill="hold">
+                            <p:stCondLst>
+                              <p:cond delay="0"/>
+                            </p:stCondLst>
+                            <p:childTnLst>
+                              <p:par>
+                                <p:cTn id="5" presetID="47" presetClass="entr" presetSubtype="0" fill="hold" grpId="0" nodeType="afterEffect">
+                                  <p:stCondLst>
+                                    <p:cond delay="250"/>
+                                  </p:stCondLst>
+                                  <p:childTnLst>
+                                    <p:set>
+                                      <p:cBhvr>
+                                        <p:cTn id="6" dur="1" fill="hold">
+                                          <p:stCondLst>
+                                            <p:cond delay="0"/>
+                                          </p:stCondLst>
+                                        </p:cTn>
+                                        <p:tgtEl>
+                                          <p:spTgt spid="19"/>
+                                        </p:tgtEl>
+                                        <p:attrNameLst>
+                                          <p:attrName>style.visibility</p:attrName>
+                                        </p:attrNameLst>
+                                      </p:cBhvr>
+                                      <p:to>
+                                        <p:strVal val="visible"/>
+                                      </p:to>
+                                    </p:set>
+                                    <p:animEffect transition="in" filter="fade">
+                                      <p:cBhvr>
+                                        <p:cTn id="7" dur="750"/>
+                                        <p:tgtEl>
+                                          <p:spTgt spid="19"/>
+                                        </p:tgtEl>
+                                      </p:cBhvr>
+                                    </p:animEffect>
+                                    <p:anim calcmode="lin" valueType="num">
+                                      <p:cBhvr>
+                                        <p:cTn id="8" dur="750" fill="hold"/>
+                                        <p:tgtEl>
+                                          <p:spTgt spid="19"/>
+                                        </p:tgtEl>
+                                        <p:attrNameLst>
+                                          <p:attrName>ppt_x</p:attrName>
+                                        </p:attrNameLst>
+                                      </p:cBhvr>
+                                      <p:tavLst>
+                                        <p:tav tm="0">
+                                          <p:val>
+                                            <p:strVal val="#ppt_x"/>
+                                          </p:val>
+                                        </p:tav>
+                                        <p:tav tm="100000">
+                                          <p:val>
+                                            <p:strVal val="#ppt_x"/>
+                                          </p:val>
+                                        </p:tav>
+                                      </p:tavLst>
+                                    </p:anim>
+                                    <p:anim calcmode="lin" valueType="num">
+                                      <p:cBhvr>
+                                        <p:cTn id="9" dur="750" fill="hold"/>
+                                        <p:tgtEl>
+                                          <p:spTgt spid="19"/>
+                                        </p:tgtEl>
+                                        <p:attrNameLst>
+                                          <p:attrName>ppt_y</p:attrName>
+                                        </p:attrNameLst>
+                                      </p:cBhvr>
+                                      <p:tavLst>
+                                        <p:tav tm="0">
+                                          <p:val>
+                                            <p:strVal val="#ppt_y-.1"/>
+                                          </p:val>
+                                        </p:tav>
+                                        <p:tav tm="100000">
+                                          <p:val>
+                                            <p:strVal val="#ppt_y"/>
+                                          </p:val>
+                                        </p:tav>
+                                      </p:tavLst>
+                                    </p:anim>
+                                  </p:childTnLst>
+                                </p:cTn>
+                              </p:par>
+                            </p:childTnLst>
+                          </p:cTn>
+                        </p:par>
+                      </p:childTnLst>
+                    </p:cTn>
+                  </p:par>
+                </p:childTnLst>
+              </p:cTn>
+              <p:prevCondLst>
+                <p:cond evt="onPrev" delay="0">
+                  <p:tgtEl>
+                    <p:sldTgt/>
+                  </p:tgtEl>
+                </p:cond>
+              </p:prevCondLst>
+              <p:nextCondLst>
+                <p:cond evt="onNext" delay="0">
+                  <p:tgtEl>
+                    <p:sldTgt/>
+                  </p:tgtEl>
+                </p:cond>
+              </p:nextCondLst>
+            </p:seq>
+          </p:childTnLst>
+        </p:cTn>
+      </p:par>
+    </p:tnLst>
+    <p:bldLst>
+      <p:bldP spid="19" grpId="0"/>
+    </p:bldLst>
+  </p:timing>
+</p:sld>
+</file>
+
+<file path=ppt/slides/slide8.xml><?xml version="1.0" encoding="utf-8"?>
+<p:sld xmlns:a="http://schemas.openxmlformats.org/drawingml/2006/main" xmlns:r="http://schemas.openxmlformats.org/officeDocument/2006/relationships" xmlns:p="http://schemas.openxmlformats.org/presentationml/2006/main">
+  <p:cSld>
+    <p:spTree>
+      <p:nvGrpSpPr>
+        <p:cNvPr id="1" name=""/>
+        <p:cNvGrpSpPr/>
+        <p:nvPr/>
+      </p:nvGrpSpPr>
+      <p:grpSpPr>
+        <a:xfrm>
+          <a:off x="0" y="0"/>
+          <a:ext cx="0" cy="0"/>
+          <a:chOff x="0" y="0"/>
+          <a:chExt cx="0" cy="0"/>
+        </a:xfrm>
+      </p:grpSpPr>
+      <p:sp>
+        <p:nvSpPr>
+          <p:cNvPr id="2" name="1 Título"/>
+          <p:cNvSpPr>
+            <a:spLocks noGrp="1"/>
+          </p:cNvSpPr>
+          <p:nvPr>
+            <p:ph type="title"/>
+          </p:nvPr>
+        </p:nvSpPr>
+        <p:spPr/>
+        <p:txBody>
+          <a:bodyPr/>
+          <a:lstStyle/>
+          <a:p>
+            <a:pPr algn="ctr"/>
+            <a:r>
+              <a:rPr lang="es-MX" dirty="0" smtClean="0"/>
+              <a:t>Diagrama de Casos de Uso</a:t>
+            </a:r>
+            <a:endParaRPr lang="es-AR" dirty="0"/>
+          </a:p>
+        </p:txBody>
+      </p:sp>
+      <p:pic>
+        <p:nvPicPr>
+          <p:cNvPr id="1027" name="Picture 3"/>
+          <p:cNvPicPr>
+            <a:picLocks noGrp="1" noChangeAspect="1" noChangeArrowheads="1"/>
+          </p:cNvPicPr>
+          <p:nvPr>
+            <p:ph idx="1"/>
+          </p:nvPr>
+        </p:nvPicPr>
+        <p:blipFill>
+          <a:blip r:embed="rId3">
+            <a:extLst>
+              <a:ext uri="{28A0092B-C50C-407E-A947-70E740481C1C}">
+                <a14:useLocalDpi xmlns:a14="http://schemas.microsoft.com/office/drawing/2010/main" val="0"/>
+              </a:ext>
+            </a:extLst>
+          </a:blip>
+          <a:stretch>
+            <a:fillRect/>
+          </a:stretch>
+        </p:blipFill>
+        <p:spPr bwMode="auto">
+          <a:xfrm>
+            <a:off x="974361" y="1558977"/>
+            <a:ext cx="10373193" cy="5126635"/>
+          </a:xfrm>
+          <a:prstGeom prst="rect">
+            <a:avLst/>
+          </a:prstGeom>
+          <a:noFill/>
+          <a:ln>
+            <a:noFill/>
+          </a:ln>
+          <a:effectLst/>
+          <a:extLst>
+            <a:ext uri="{909E8E84-426E-40DD-AFC4-6F175D3DCCD1}">
+              <a14:hiddenFill xmlns:a14="http://schemas.microsoft.com/office/drawing/2010/main">
+                <a:solidFill>
+                  <a:schemeClr val="accent1"/>
+                </a:solidFill>
+              </a14:hiddenFill>
+            </a:ext>
+            <a:ext uri="{91240B29-F687-4F45-9708-019B960494DF}">
+              <a14:hiddenLine xmlns:a14="http://schemas.microsoft.com/office/drawing/2010/main" w="9525">
+                <a:solidFill>
+                  <a:schemeClr val="tx1"/>
+                </a:solidFill>
+                <a:miter lim="800000"/>
+                <a:headEnd/>
+                <a:tailEnd/>
+              </a14:hiddenLine>
+            </a:ext>
+            <a:ext uri="{AF507438-7753-43E0-B8FC-AC1667EBCBE1}">
+              <a14:hiddenEffects xmlns:a14="http://schemas.microsoft.com/office/drawing/2010/main">
+                <a:effectLst>
+                  <a:outerShdw dist="35921" dir="2700000" algn="ctr" rotWithShape="0">
+                    <a:schemeClr val="bg2"/>
+                  </a:outerShdw>
+                </a:effectLst>
+              </a14:hiddenEffects>
+            </a:ext>
+          </a:extLst>
+        </p:spPr>
+      </p:pic>
+      <p:sp>
+        <p:nvSpPr>
+          <p:cNvPr id="8" name="7 Marcador de número de diapositiva"/>
+          <p:cNvSpPr>
+            <a:spLocks noGrp="1"/>
+          </p:cNvSpPr>
+          <p:nvPr>
+            <p:ph type="sldNum" sz="quarter" idx="12"/>
+          </p:nvPr>
+        </p:nvSpPr>
+        <p:spPr/>
+        <p:txBody>
+          <a:bodyPr/>
+          <a:lstStyle/>
+          <a:p>
+            <a:fld id="{64A0CCB8-7B2E-4641-80DC-C4E2165C710C}" type="slidenum">
+              <a:rPr lang="es-AR" smtClean="0"/>
+              <a:t>8</a:t>
+            </a:fld>
+            <a:endParaRPr lang="es-AR" dirty="0"/>
+          </a:p>
+        </p:txBody>
+      </p:sp>
+    </p:spTree>
+    <p:extLst>
+      <p:ext uri="{BB962C8B-B14F-4D97-AF65-F5344CB8AC3E}">
+        <p14:creationId xmlns:p14="http://schemas.microsoft.com/office/powerpoint/2010/main" val="1615958669"/>
+      </p:ext>
+    </p:extLst>
+  </p:cSld>
+  <p:clrMapOvr>
+    <a:masterClrMapping/>
+  </p:clrMapOvr>
+  <p:transition spd="slow">
+    <p:wheel spokes="1"/>
+  </p:transition>
+  <p:timing>
+    <p:tnLst>
+      <p:par>
+        <p:cTn id="1" dur="indefinite" restart="never" nodeType="tmRoot">
+          <p:childTnLst>
+            <p:seq concurrent="1" nextAc="seek">
+              <p:cTn id="2" dur="indefinite" nodeType="mainSeq">
+                <p:childTnLst>
+                  <p:par>
+                    <p:cTn id="3" fill="hold">
+                      <p:stCondLst>
+                        <p:cond delay="indefinite"/>
+                        <p:cond evt="onBegin" delay="0">
+                          <p:tn val="2"/>
+                        </p:cond>
+                      </p:stCondLst>
+                      <p:childTnLst>
+                        <p:par>
+                          <p:cTn id="4" fill="hold">
+                            <p:stCondLst>
+                              <p:cond delay="0"/>
+                            </p:stCondLst>
+                            <p:childTnLst>
+                              <p:par>
+                                <p:cTn id="5" presetID="47" presetClass="entr" presetSubtype="0" fill="hold" grpId="0" nodeType="afterEffect">
+                                  <p:stCondLst>
+                                    <p:cond delay="250"/>
+                                  </p:stCondLst>
+                                  <p:childTnLst>
+                                    <p:set>
+                                      <p:cBhvr>
+                                        <p:cTn id="6" dur="1" fill="hold">
+                                          <p:stCondLst>
+                                            <p:cond delay="0"/>
+                                          </p:stCondLst>
+                                        </p:cTn>
+                                        <p:tgtEl>
+                                          <p:spTgt spid="8"/>
+                                        </p:tgtEl>
+                                        <p:attrNameLst>
+                                          <p:attrName>style.visibility</p:attrName>
+                                        </p:attrNameLst>
+                                      </p:cBhvr>
+                                      <p:to>
+                                        <p:strVal val="visible"/>
+                                      </p:to>
+                                    </p:set>
+                                    <p:animEffect transition="in" filter="fade">
+                                      <p:cBhvr>
+                                        <p:cTn id="7" dur="750"/>
+                                        <p:tgtEl>
+                                          <p:spTgt spid="8"/>
+                                        </p:tgtEl>
+                                      </p:cBhvr>
+                                    </p:animEffect>
+                                    <p:anim calcmode="lin" valueType="num">
+                                      <p:cBhvr>
+                                        <p:cTn id="8" dur="750" fill="hold"/>
+                                        <p:tgtEl>
+                                          <p:spTgt spid="8"/>
+                                        </p:tgtEl>
+                                        <p:attrNameLst>
+                                          <p:attrName>ppt_x</p:attrName>
+                                        </p:attrNameLst>
+                                      </p:cBhvr>
+                                      <p:tavLst>
+                                        <p:tav tm="0">
+                                          <p:val>
+                                            <p:strVal val="#ppt_x"/>
+                                          </p:val>
+                                        </p:tav>
+                                        <p:tav tm="100000">
+                                          <p:val>
+                                            <p:strVal val="#ppt_x"/>
+                                          </p:val>
+                                        </p:tav>
+                                      </p:tavLst>
+                                    </p:anim>
+                                    <p:anim calcmode="lin" valueType="num">
+                                      <p:cBhvr>
+                                        <p:cTn id="9" dur="750" fill="hold"/>
+                                        <p:tgtEl>
+                                          <p:spTgt spid="8"/>
+                                        </p:tgtEl>
+                                        <p:attrNameLst>
+                                          <p:attrName>ppt_y</p:attrName>
+                                        </p:attrNameLst>
+                                      </p:cBhvr>
+                                      <p:tavLst>
+                                        <p:tav tm="0">
+                                          <p:val>
+                                            <p:strVal val="#ppt_y-.1"/>
+                                          </p:val>
+                                        </p:tav>
+                                        <p:tav tm="100000">
+                                          <p:val>
+                                            <p:strVal val="#ppt_y"/>
+                                          </p:val>
+                                        </p:tav>
+                                      </p:tavLst>
+                                    </p:anim>
+                                  </p:childTnLst>
+                                </p:cTn>
+                              </p:par>
+                            </p:childTnLst>
+                          </p:cTn>
+                        </p:par>
+                      </p:childTnLst>
+                    </p:cTn>
+                  </p:par>
+                </p:childTnLst>
+              </p:cTn>
+              <p:prevCondLst>
+                <p:cond evt="onPrev" delay="0">
+                  <p:tgtEl>
+                    <p:sldTgt/>
+                  </p:tgtEl>
+                </p:cond>
+              </p:prevCondLst>
+              <p:nextCondLst>
+                <p:cond evt="onNext" delay="0">
+                  <p:tgtEl>
+                    <p:sldTgt/>
+                  </p:tgtEl>
+                </p:cond>
+              </p:nextCondLst>
+            </p:seq>
+          </p:childTnLst>
+        </p:cTn>
+      </p:par>
+    </p:tnLst>
+    <p:bldLst>
+      <p:bldP spid="8" grpId="0"/>
+    </p:bldLst>
+  </p:timing>
+</p:sld>
+</file>
+
+<file path=ppt/slides/slide9.xml><?xml version="1.0" encoding="utf-8"?>
+<p:sld xmlns:a="http://schemas.openxmlformats.org/drawingml/2006/main" xmlns:r="http://schemas.openxmlformats.org/officeDocument/2006/relationships" xmlns:p="http://schemas.openxmlformats.org/presentationml/2006/main">
+  <p:cSld>
+    <p:spTree>
+      <p:nvGrpSpPr>
+        <p:cNvPr id="1" name=""/>
+        <p:cNvGrpSpPr/>
+        <p:nvPr/>
+      </p:nvGrpSpPr>
+      <p:grpSpPr>
+        <a:xfrm>
+          <a:off x="0" y="0"/>
+          <a:ext cx="0" cy="0"/>
+          <a:chOff x="0" y="0"/>
+          <a:chExt cx="0" cy="0"/>
+        </a:xfrm>
+      </p:grpSpPr>
+      <p:sp>
+        <p:nvSpPr>
+          <p:cNvPr id="7" name="Título 6"/>
+          <p:cNvSpPr>
+            <a:spLocks noGrp="1"/>
+          </p:cNvSpPr>
+          <p:nvPr>
+            <p:ph type="title"/>
+          </p:nvPr>
+        </p:nvSpPr>
+        <p:spPr/>
+        <p:txBody>
+          <a:bodyPr/>
+          <a:lstStyle/>
+          <a:p>
+            <a:pPr algn="ctr"/>
+            <a:r>
+              <a:rPr lang="es-ES" dirty="0" smtClean="0"/>
+              <a:t>Diagrama de Entidad-</a:t>
+            </a:r>
+            <a:r>
+              <a:rPr lang="es-ES" dirty="0" err="1" smtClean="0"/>
+              <a:t>Relacion</a:t>
+            </a:r>
+            <a:endParaRPr lang="es-AR" dirty="0"/>
+          </a:p>
+        </p:txBody>
+      </p:sp>
+      <p:pic>
+        <p:nvPicPr>
+          <p:cNvPr id="9" name="Marcador de contenido 8"/>
+          <p:cNvPicPr>
+            <a:picLocks noGrp="1" noChangeAspect="1"/>
+          </p:cNvPicPr>
+          <p:nvPr>
+            <p:ph idx="1"/>
+          </p:nvPr>
+        </p:nvPicPr>
+        <p:blipFill>
+          <a:blip r:embed="rId3">
+            <a:extLst>
+              <a:ext uri="{28A0092B-C50C-407E-A947-70E740481C1C}">
+                <a14:useLocalDpi xmlns:a14="http://schemas.microsoft.com/office/drawing/2010/main" val="0"/>
+              </a:ext>
+            </a:extLst>
+          </a:blip>
+          <a:stretch>
+            <a:fillRect/>
+          </a:stretch>
+        </p:blipFill>
+        <p:spPr>
+          <a:xfrm>
+            <a:off x="1103312" y="2053652"/>
+            <a:ext cx="9944439" cy="4272197"/>
+          </a:xfrm>
+        </p:spPr>
+      </p:pic>
+      <p:sp>
+        <p:nvSpPr>
+          <p:cNvPr id="10" name="Marcador de número de diapositiva 9"/>
+          <p:cNvSpPr>
+            <a:spLocks noGrp="1"/>
+          </p:cNvSpPr>
+          <p:nvPr>
+            <p:ph type="sldNum" sz="quarter" idx="12"/>
+          </p:nvPr>
+        </p:nvSpPr>
+        <p:spPr/>
+        <p:txBody>
+          <a:bodyPr/>
+          <a:lstStyle/>
+          <a:p>
+            <a:fld id="{64A0CCB8-7B2E-4641-80DC-C4E2165C710C}" type="slidenum">
+              <a:rPr lang="es-AR" smtClean="0"/>
+              <a:t>9</a:t>
+            </a:fld>
+            <a:endParaRPr lang="es-AR" dirty="0"/>
+          </a:p>
+        </p:txBody>
+      </p:sp>
+    </p:spTree>
+    <p:extLst>
+      <p:ext uri="{BB962C8B-B14F-4D97-AF65-F5344CB8AC3E}">
+        <p14:creationId xmlns:p14="http://schemas.microsoft.com/office/powerpoint/2010/main" val="3088232562"/>
+      </p:ext>
+    </p:extLst>
+  </p:cSld>
+  <p:clrMapOvr>
+    <a:masterClrMapping/>
+  </p:clrMapOvr>
+  <p:transition spd="slow">
+    <p:wheel spokes="1"/>
+  </p:transition>
+  <p:timing>
+    <p:tnLst>
+      <p:par>
+        <p:cTn id="1" dur="indefinite" restart="never" nodeType="tmRoot">
+          <p:childTnLst>
+            <p:seq concurrent="1" nextAc="seek">
+              <p:cTn id="2" dur="indefinite" nodeType="mainSeq">
+                <p:childTnLst>
+                  <p:par>
+                    <p:cTn id="3" fill="hold">
+                      <p:stCondLst>
+                        <p:cond delay="indefinite"/>
+                        <p:cond evt="onBegin" delay="0">
+                          <p:tn val="2"/>
+                        </p:cond>
+                      </p:stCondLst>
+                      <p:childTnLst>
+                        <p:par>
+                          <p:cTn id="4" fill="hold">
+                            <p:stCondLst>
+                              <p:cond delay="0"/>
+                            </p:stCondLst>
+                            <p:childTnLst>
+                              <p:par>
+                                <p:cTn id="5" presetID="47" presetClass="entr" presetSubtype="0" fill="hold" grpId="0" nodeType="afterEffect">
+                                  <p:stCondLst>
+                                    <p:cond delay="250"/>
+                                  </p:stCondLst>
+                                  <p:childTnLst>
+                                    <p:set>
+                                      <p:cBhvr>
+                                        <p:cTn id="6" dur="1" fill="hold">
+                                          <p:stCondLst>
+                                            <p:cond delay="0"/>
+                                          </p:stCondLst>
+                                        </p:cTn>
+                                        <p:tgtEl>
+                                          <p:spTgt spid="10"/>
+                                        </p:tgtEl>
+                                        <p:attrNameLst>
+                                          <p:attrName>style.visibility</p:attrName>
+                                        </p:attrNameLst>
+                                      </p:cBhvr>
+                                      <p:to>
+                                        <p:strVal val="visible"/>
+                                      </p:to>
+                                    </p:set>
+                                    <p:animEffect transition="in" filter="fade">
+                                      <p:cBhvr>
+                                        <p:cTn id="7" dur="750"/>
+                                        <p:tgtEl>
+                                          <p:spTgt spid="10"/>
+                                        </p:tgtEl>
+                                      </p:cBhvr>
+                                    </p:animEffect>
+                                    <p:anim calcmode="lin" valueType="num">
+                                      <p:cBhvr>
+                                        <p:cTn id="8" dur="750" fill="hold"/>
+                                        <p:tgtEl>
+                                          <p:spTgt spid="10"/>
+                                        </p:tgtEl>
+                                        <p:attrNameLst>
+                                          <p:attrName>ppt_x</p:attrName>
+                                        </p:attrNameLst>
+                                      </p:cBhvr>
+                                      <p:tavLst>
+                                        <p:tav tm="0">
+                                          <p:val>
+                                            <p:strVal val="#ppt_x"/>
+                                          </p:val>
+                                        </p:tav>
+                                        <p:tav tm="100000">
+                                          <p:val>
+                                            <p:strVal val="#ppt_x"/>
+                                          </p:val>
+                                        </p:tav>
+                                      </p:tavLst>
+                                    </p:anim>
+                                    <p:anim calcmode="lin" valueType="num">
+                                      <p:cBhvr>
+                                        <p:cTn id="9" dur="750" fill="hold"/>
+                                        <p:tgtEl>
+                                          <p:spTgt spid="10"/>
+                                        </p:tgtEl>
+                                        <p:attrNameLst>
+                                          <p:attrName>ppt_y</p:attrName>
+                                        </p:attrNameLst>
+                                      </p:cBhvr>
+                                      <p:tavLst>
+                                        <p:tav tm="0">
+                                          <p:val>
+                                            <p:strVal val="#ppt_y-.1"/>
+                                          </p:val>
+                                        </p:tav>
+                                        <p:tav tm="100000">
+                                          <p:val>
+                                            <p:strVal val="#ppt_y"/>
+                                          </p:val>
+                                        </p:tav>
+                                      </p:tavLst>
+                                    </p:anim>
+                                  </p:childTnLst>
+                                </p:cTn>
+                              </p:par>
+                            </p:childTnLst>
+                          </p:cTn>
+                        </p:par>
+                      </p:childTnLst>
+                    </p:cTn>
+                  </p:par>
+                </p:childTnLst>
+              </p:cTn>
+              <p:prevCondLst>
+                <p:cond evt="onPrev" delay="0">
+                  <p:tgtEl>
+                    <p:sldTgt/>
+                  </p:tgtEl>
+                </p:cond>
+              </p:prevCondLst>
+              <p:nextCondLst>
+                <p:cond evt="onNext" delay="0">
+                  <p:tgtEl>
+                    <p:sldTgt/>
+                  </p:tgtEl>
+                </p:cond>
+              </p:nextCondLst>
+            </p:seq>
+          </p:childTnLst>
+        </p:cTn>
+      </p:par>
+    </p:tnLst>
+    <p:bldLst>
+      <p:bldP spid="10" grpId="0"/>
+    </p:bldLst>
   </p:timing>
 </p:sld>
 </file>
@@ -6838,7 +10300,7 @@
     </a:clrScheme>
     <a:fontScheme name="Ion">
       <a:majorFont>
-        <a:latin typeface="Century Gothic" panose="020B0502020202020204"/>
+        <a:latin typeface="Century Gothic"/>
         <a:ea typeface=""/>
         <a:cs typeface=""/>
         <a:font script="Jpan" typeface="メイリオ"/>
@@ -6873,7 +10335,7 @@
         <a:font script="Geor" typeface="Sylfaen"/>
       </a:majorFont>
       <a:minorFont>
-        <a:latin typeface="Century Gothic" panose="020B0502020202020204"/>
+        <a:latin typeface="Century Gothic"/>
         <a:ea typeface=""/>
         <a:cs typeface=""/>
         <a:font script="Jpan" typeface="メイリオ"/>
@@ -7059,4 +10521,289 @@
     </a:ext>
   </a:extLst>
 </a:theme>
+</file>
+
+<file path=ppt/theme/theme2.xml><?xml version="1.0" encoding="utf-8"?>
+<a:theme xmlns:a="http://schemas.openxmlformats.org/drawingml/2006/main" name="Tema de Office">
+  <a:themeElements>
+    <a:clrScheme name="Office">
+      <a:dk1>
+        <a:sysClr val="windowText" lastClr="000000"/>
+      </a:dk1>
+      <a:lt1>
+        <a:sysClr val="window" lastClr="FFFFFF"/>
+      </a:lt1>
+      <a:dk2>
+        <a:srgbClr val="1F497D"/>
+      </a:dk2>
+      <a:lt2>
+        <a:srgbClr val="EEECE1"/>
+      </a:lt2>
+      <a:accent1>
+        <a:srgbClr val="4F81BD"/>
+      </a:accent1>
+      <a:accent2>
+        <a:srgbClr val="C0504D"/>
+      </a:accent2>
+      <a:accent3>
+        <a:srgbClr val="9BBB59"/>
+      </a:accent3>
+      <a:accent4>
+        <a:srgbClr val="8064A2"/>
+      </a:accent4>
+      <a:accent5>
+        <a:srgbClr val="4BACC6"/>
+      </a:accent5>
+      <a:accent6>
+        <a:srgbClr val="F79646"/>
+      </a:accent6>
+      <a:hlink>
+        <a:srgbClr val="0000FF"/>
+      </a:hlink>
+      <a:folHlink>
+        <a:srgbClr val="800080"/>
+      </a:folHlink>
+    </a:clrScheme>
+    <a:fontScheme name="Office">
+      <a:majorFont>
+        <a:latin typeface="Calibri"/>
+        <a:ea typeface=""/>
+        <a:cs typeface=""/>
+        <a:font script="Jpan" typeface="ＭＳ Ｐゴシック"/>
+        <a:font script="Hang" typeface="맑은 고딕"/>
+        <a:font script="Hans" typeface="宋体"/>
+        <a:font script="Hant" typeface="新細明體"/>
+        <a:font script="Arab" typeface="Times New Roman"/>
+        <a:font script="Hebr" typeface="Times New Roman"/>
+        <a:font script="Thai" typeface="Angsana New"/>
+        <a:font script="Ethi" typeface="Nyala"/>
+        <a:font script="Beng" typeface="Vrinda"/>
+        <a:font script="Gujr" typeface="Shruti"/>
+        <a:font script="Khmr" typeface="MoolBoran"/>
+        <a:font script="Knda" typeface="Tunga"/>
+        <a:font script="Guru" typeface="Raavi"/>
+        <a:font script="Cans" typeface="Euphemia"/>
+        <a:font script="Cher" typeface="Plantagenet Cherokee"/>
+        <a:font script="Yiii" typeface="Microsoft Yi Baiti"/>
+        <a:font script="Tibt" typeface="Microsoft Himalaya"/>
+        <a:font script="Thaa" typeface="MV Boli"/>
+        <a:font script="Deva" typeface="Mangal"/>
+        <a:font script="Telu" typeface="Gautami"/>
+        <a:font script="Taml" typeface="Latha"/>
+        <a:font script="Syrc" typeface="Estrangelo Edessa"/>
+        <a:font script="Orya" typeface="Kalinga"/>
+        <a:font script="Mlym" typeface="Kartika"/>
+        <a:font script="Laoo" typeface="DokChampa"/>
+        <a:font script="Sinh" typeface="Iskoola Pota"/>
+        <a:font script="Mong" typeface="Mongolian Baiti"/>
+        <a:font script="Viet" typeface="Times New Roman"/>
+        <a:font script="Uigh" typeface="Microsoft Uighur"/>
+        <a:font script="Geor" typeface="Sylfaen"/>
+      </a:majorFont>
+      <a:minorFont>
+        <a:latin typeface="Calibri"/>
+        <a:ea typeface=""/>
+        <a:cs typeface=""/>
+        <a:font script="Jpan" typeface="ＭＳ Ｐゴシック"/>
+        <a:font script="Hang" typeface="맑은 고딕"/>
+        <a:font script="Hans" typeface="宋体"/>
+        <a:font script="Hant" typeface="新細明體"/>
+        <a:font script="Arab" typeface="Arial"/>
+        <a:font script="Hebr" typeface="Arial"/>
+        <a:font script="Thai" typeface="Cordia New"/>
+        <a:font script="Ethi" typeface="Nyala"/>
+        <a:font script="Beng" typeface="Vrinda"/>
+        <a:font script="Gujr" typeface="Shruti"/>
+        <a:font script="Khmr" typeface="DaunPenh"/>
+        <a:font script="Knda" typeface="Tunga"/>
+        <a:font script="Guru" typeface="Raavi"/>
+        <a:font script="Cans" typeface="Euphemia"/>
+        <a:font script="Cher" typeface="Plantagenet Cherokee"/>
+        <a:font script="Yiii" typeface="Microsoft Yi Baiti"/>
+        <a:font script="Tibt" typeface="Microsoft Himalaya"/>
+        <a:font script="Thaa" typeface="MV Boli"/>
+        <a:font script="Deva" typeface="Mangal"/>
+        <a:font script="Telu" typeface="Gautami"/>
+        <a:font script="Taml" typeface="Latha"/>
+        <a:font script="Syrc" typeface="Estrangelo Edessa"/>
+        <a:font script="Orya" typeface="Kalinga"/>
+        <a:font script="Mlym" typeface="Kartika"/>
+        <a:font script="Laoo" typeface="DokChampa"/>
+        <a:font script="Sinh" typeface="Iskoola Pota"/>
+        <a:font script="Mong" typeface="Mongolian Baiti"/>
+        <a:font script="Viet" typeface="Arial"/>
+        <a:font script="Uigh" typeface="Microsoft Uighur"/>
+        <a:font script="Geor" typeface="Sylfaen"/>
+      </a:minorFont>
+    </a:fontScheme>
+    <a:fmtScheme name="Office">
+      <a:fillStyleLst>
+        <a:solidFill>
+          <a:schemeClr val="phClr"/>
+        </a:solidFill>
+        <a:gradFill rotWithShape="1">
+          <a:gsLst>
+            <a:gs pos="0">
+              <a:schemeClr val="phClr">
+                <a:tint val="50000"/>
+                <a:satMod val="300000"/>
+              </a:schemeClr>
+            </a:gs>
+            <a:gs pos="35000">
+              <a:schemeClr val="phClr">
+                <a:tint val="37000"/>
+                <a:satMod val="300000"/>
+              </a:schemeClr>
+            </a:gs>
+            <a:gs pos="100000">
+              <a:schemeClr val="phClr">
+                <a:tint val="15000"/>
+                <a:satMod val="350000"/>
+              </a:schemeClr>
+            </a:gs>
+          </a:gsLst>
+          <a:lin ang="16200000" scaled="1"/>
+        </a:gradFill>
+        <a:gradFill rotWithShape="1">
+          <a:gsLst>
+            <a:gs pos="0">
+              <a:schemeClr val="phClr">
+                <a:shade val="51000"/>
+                <a:satMod val="130000"/>
+              </a:schemeClr>
+            </a:gs>
+            <a:gs pos="80000">
+              <a:schemeClr val="phClr">
+                <a:shade val="93000"/>
+                <a:satMod val="130000"/>
+              </a:schemeClr>
+            </a:gs>
+            <a:gs pos="100000">
+              <a:schemeClr val="phClr">
+                <a:shade val="94000"/>
+                <a:satMod val="135000"/>
+              </a:schemeClr>
+            </a:gs>
+          </a:gsLst>
+          <a:lin ang="16200000" scaled="0"/>
+        </a:gradFill>
+      </a:fillStyleLst>
+      <a:lnStyleLst>
+        <a:ln w="9525" cap="flat" cmpd="sng" algn="ctr">
+          <a:solidFill>
+            <a:schemeClr val="phClr">
+              <a:shade val="95000"/>
+              <a:satMod val="105000"/>
+            </a:schemeClr>
+          </a:solidFill>
+          <a:prstDash val="solid"/>
+        </a:ln>
+        <a:ln w="25400" cap="flat" cmpd="sng" algn="ctr">
+          <a:solidFill>
+            <a:schemeClr val="phClr"/>
+          </a:solidFill>
+          <a:prstDash val="solid"/>
+        </a:ln>
+        <a:ln w="38100" cap="flat" cmpd="sng" algn="ctr">
+          <a:solidFill>
+            <a:schemeClr val="phClr"/>
+          </a:solidFill>
+          <a:prstDash val="solid"/>
+        </a:ln>
+      </a:lnStyleLst>
+      <a:effectStyleLst>
+        <a:effectStyle>
+          <a:effectLst>
+            <a:outerShdw blurRad="40000" dist="20000" dir="5400000" rotWithShape="0">
+              <a:srgbClr val="000000">
+                <a:alpha val="38000"/>
+              </a:srgbClr>
+            </a:outerShdw>
+          </a:effectLst>
+        </a:effectStyle>
+        <a:effectStyle>
+          <a:effectLst>
+            <a:outerShdw blurRad="40000" dist="23000" dir="5400000" rotWithShape="0">
+              <a:srgbClr val="000000">
+                <a:alpha val="35000"/>
+              </a:srgbClr>
+            </a:outerShdw>
+          </a:effectLst>
+        </a:effectStyle>
+        <a:effectStyle>
+          <a:effectLst>
+            <a:outerShdw blurRad="40000" dist="23000" dir="5400000" rotWithShape="0">
+              <a:srgbClr val="000000">
+                <a:alpha val="35000"/>
+              </a:srgbClr>
+            </a:outerShdw>
+          </a:effectLst>
+          <a:scene3d>
+            <a:camera prst="orthographicFront">
+              <a:rot lat="0" lon="0" rev="0"/>
+            </a:camera>
+            <a:lightRig rig="threePt" dir="t">
+              <a:rot lat="0" lon="0" rev="1200000"/>
+            </a:lightRig>
+          </a:scene3d>
+          <a:sp3d>
+            <a:bevelT w="63500" h="25400"/>
+          </a:sp3d>
+        </a:effectStyle>
+      </a:effectStyleLst>
+      <a:bgFillStyleLst>
+        <a:solidFill>
+          <a:schemeClr val="phClr"/>
+        </a:solidFill>
+        <a:gradFill rotWithShape="1">
+          <a:gsLst>
+            <a:gs pos="0">
+              <a:schemeClr val="phClr">
+                <a:tint val="40000"/>
+                <a:satMod val="350000"/>
+              </a:schemeClr>
+            </a:gs>
+            <a:gs pos="40000">
+              <a:schemeClr val="phClr">
+                <a:tint val="45000"/>
+                <a:shade val="99000"/>
+                <a:satMod val="350000"/>
+              </a:schemeClr>
+            </a:gs>
+            <a:gs pos="100000">
+              <a:schemeClr val="phClr">
+                <a:shade val="20000"/>
+                <a:satMod val="255000"/>
+              </a:schemeClr>
+            </a:gs>
+          </a:gsLst>
+          <a:path path="circle">
+            <a:fillToRect l="50000" t="-80000" r="50000" b="180000"/>
+          </a:path>
+        </a:gradFill>
+        <a:gradFill rotWithShape="1">
+          <a:gsLst>
+            <a:gs pos="0">
+              <a:schemeClr val="phClr">
+                <a:tint val="80000"/>
+                <a:satMod val="300000"/>
+              </a:schemeClr>
+            </a:gs>
+            <a:gs pos="100000">
+              <a:schemeClr val="phClr">
+                <a:shade val="30000"/>
+                <a:satMod val="200000"/>
+              </a:schemeClr>
+            </a:gs>
+          </a:gsLst>
+          <a:path path="circle">
+            <a:fillToRect l="50000" t="50000" r="50000" b="50000"/>
+          </a:path>
+        </a:gradFill>
+      </a:bgFillStyleLst>
+    </a:fmtScheme>
+  </a:themeElements>
+  <a:objectDefaults/>
+  <a:extraClrSchemeLst/>
+</a:theme>
 </file>